--- a/ReadifyB2B-Alexa.pptx
+++ b/ReadifyB2B-Alexa.pptx
@@ -8615,32 +8615,129 @@
           <a:bodyPr/>
           <a:lstStyle/>
           <a:p>
-            <a:endParaRPr lang="en-AU"/>
-          </a:p>
-        </p:txBody>
-      </p:sp>
-      <p:sp>
-        <p:nvSpPr>
-          <p:cNvPr id="3" name="Content Placeholder 2">
-            <a:extLst>
-              <a:ext uri="{FF2B5EF4-FFF2-40B4-BE49-F238E27FC236}">
-                <a16:creationId xmlns:a16="http://schemas.microsoft.com/office/drawing/2014/main" id="{B80F4A36-702E-495C-9604-D1C271C2D920}"/>
-              </a:ext>
-            </a:extLst>
-          </p:cNvPr>
-          <p:cNvSpPr>
-            <a:spLocks noGrp="1"/>
-          </p:cNvSpPr>
-          <p:nvPr>
-            <p:ph idx="1"/>
-          </p:nvPr>
-        </p:nvSpPr>
-        <p:spPr/>
-        <p:txBody>
-          <a:bodyPr/>
+            <a:r>
+              <a:rPr lang="en-AU" dirty="0"/>
+              <a:t>DEMO</a:t>
+            </a:r>
+          </a:p>
+        </p:txBody>
+      </p:sp>
+      <p:pic>
+        <p:nvPicPr>
+          <p:cNvPr id="4" name="Picture 3">
+            <a:extLst>
+              <a:ext uri="{FF2B5EF4-FFF2-40B4-BE49-F238E27FC236}">
+                <a16:creationId xmlns:a16="http://schemas.microsoft.com/office/drawing/2014/main" id="{19EE2BA1-D8FF-43AD-A987-F39CC1B5560C}"/>
+              </a:ext>
+            </a:extLst>
+          </p:cNvPr>
+          <p:cNvPicPr>
+            <a:picLocks noChangeAspect="1"/>
+          </p:cNvPicPr>
+          <p:nvPr/>
+        </p:nvPicPr>
+        <p:blipFill>
+          <a:blip r:embed="rId3"/>
+          <a:stretch>
+            <a:fillRect/>
+          </a:stretch>
+        </p:blipFill>
+        <p:spPr>
+          <a:xfrm>
+            <a:off x="8343900" y="3179762"/>
+            <a:ext cx="3009900" cy="3038475"/>
+          </a:xfrm>
+          <a:prstGeom prst="rect">
+            <a:avLst/>
+          </a:prstGeom>
+        </p:spPr>
+      </p:pic>
+      <p:sp>
+        <p:nvSpPr>
+          <p:cNvPr id="5" name="Rectangle 4">
+            <a:extLst>
+              <a:ext uri="{FF2B5EF4-FFF2-40B4-BE49-F238E27FC236}">
+                <a16:creationId xmlns:a16="http://schemas.microsoft.com/office/drawing/2014/main" id="{CD54A565-BAEA-4F39-A3CE-6CD0A10C5EF7}"/>
+              </a:ext>
+            </a:extLst>
+          </p:cNvPr>
+          <p:cNvSpPr/>
+          <p:nvPr/>
+        </p:nvSpPr>
+        <p:spPr>
+          <a:xfrm>
+            <a:off x="837722" y="5848905"/>
+            <a:ext cx="6020757" cy="369332"/>
+          </a:xfrm>
+          <a:prstGeom prst="rect">
+            <a:avLst/>
+          </a:prstGeom>
+        </p:spPr>
+        <p:txBody>
+          <a:bodyPr wrap="square">
+            <a:spAutoFit/>
+          </a:bodyPr>
           <a:lstStyle/>
           <a:p>
-            <a:endParaRPr lang="en-AU"/>
+            <a:r>
+              <a:rPr lang="en-AU" b="1" dirty="0"/>
+              <a:t>https://rafflleb2b-app.azurewebsites.net/</a:t>
+            </a:r>
+          </a:p>
+        </p:txBody>
+      </p:sp>
+      <p:sp>
+        <p:nvSpPr>
+          <p:cNvPr id="6" name="TextBox 5">
+            <a:extLst>
+              <a:ext uri="{FF2B5EF4-FFF2-40B4-BE49-F238E27FC236}">
+                <a16:creationId xmlns:a16="http://schemas.microsoft.com/office/drawing/2014/main" id="{CB463994-3D9F-464C-A8ED-7DFD886B3888}"/>
+              </a:ext>
+            </a:extLst>
+          </p:cNvPr>
+          <p:cNvSpPr txBox="1"/>
+          <p:nvPr/>
+        </p:nvSpPr>
+        <p:spPr>
+          <a:xfrm>
+            <a:off x="838200" y="2006600"/>
+            <a:ext cx="6794500" cy="1493358"/>
+          </a:xfrm>
+          <a:prstGeom prst="rect">
+            <a:avLst/>
+          </a:prstGeom>
+          <a:noFill/>
+        </p:spPr>
+        <p:txBody>
+          <a:bodyPr wrap="square" rtlCol="0">
+            <a:spAutoFit/>
+          </a:bodyPr>
+          <a:lstStyle/>
+          <a:p>
+            <a:pPr marL="285750" indent="-285750">
+              <a:lnSpc>
+                <a:spcPct val="150000"/>
+              </a:lnSpc>
+              <a:buFont typeface="Arial" panose="020B0604020202020204" pitchFamily="34" charset="0"/>
+              <a:buChar char="•"/>
+            </a:pPr>
+            <a:r>
+              <a:rPr lang="en-AU" sz="3200" dirty="0"/>
+              <a:t>Fill the form</a:t>
+            </a:r>
+          </a:p>
+          <a:p>
+            <a:pPr marL="285750" indent="-285750">
+              <a:lnSpc>
+                <a:spcPct val="150000"/>
+              </a:lnSpc>
+              <a:buFont typeface="Arial" panose="020B0604020202020204" pitchFamily="34" charset="0"/>
+              <a:buChar char="•"/>
+            </a:pPr>
+            <a:r>
+              <a:rPr lang="en-AU" sz="3200" dirty="0"/>
+              <a:t>We will riffle the winner!</a:t>
+            </a:r>
           </a:p>
         </p:txBody>
       </p:sp>

--- a/ReadifyB2B-Alexa.pptx
+++ b/ReadifyB2B-Alexa.pptx
@@ -526,20 +526,20 @@
             <ac:spMk id="2" creationId="{1907AA3C-7716-480B-9E25-D29C1F4B8E16}"/>
           </ac:spMkLst>
         </pc:spChg>
+        <pc:spChg chg="add del mod">
+          <ac:chgData name="Giovani Decusati" userId="e9e75d80-f139-4999-95c2-47cf86368938" providerId="ADAL" clId="{19609E3A-3601-4F6A-92C7-BD754E1465E7}" dt="2018-07-30T04:03:14.897" v="1351"/>
+          <ac:spMkLst>
+            <pc:docMk/>
+            <pc:sldMk cId="1313323197" sldId="260"/>
+            <ac:spMk id="3" creationId="{E21AE1C7-1455-4570-AE5B-D3F250E798F0}"/>
+          </ac:spMkLst>
+        </pc:spChg>
         <pc:spChg chg="del">
           <ac:chgData name="Giovani Decusati" userId="e9e75d80-f139-4999-95c2-47cf86368938" providerId="ADAL" clId="{19609E3A-3601-4F6A-92C7-BD754E1465E7}" dt="2018-07-27T00:50:34.367" v="238" actId="478"/>
           <ac:spMkLst>
             <pc:docMk/>
             <pc:sldMk cId="1313323197" sldId="260"/>
             <ac:spMk id="3" creationId="{A90FF9C7-89AB-481B-AF9A-30D9EE57790D}"/>
-          </ac:spMkLst>
-        </pc:spChg>
-        <pc:spChg chg="add del mod">
-          <ac:chgData name="Giovani Decusati" userId="e9e75d80-f139-4999-95c2-47cf86368938" providerId="ADAL" clId="{19609E3A-3601-4F6A-92C7-BD754E1465E7}" dt="2018-07-30T04:03:14.897" v="1351"/>
-          <ac:spMkLst>
-            <pc:docMk/>
-            <pc:sldMk cId="1313323197" sldId="260"/>
-            <ac:spMk id="3" creationId="{E21AE1C7-1455-4570-AE5B-D3F250E798F0}"/>
           </ac:spMkLst>
         </pc:spChg>
         <pc:spChg chg="add del">
@@ -1063,7 +1063,7 @@
           <a:p>
             <a:fld id="{1862C150-BE26-4D5C-9E6B-94B0DAE4EA08}" type="datetimeFigureOut">
               <a:rPr lang="en-AU" smtClean="0"/>
-              <a:t>30/07/2018</a:t>
+              <a:t>31/07/2018</a:t>
             </a:fld>
             <a:endParaRPr lang="en-AU"/>
           </a:p>
@@ -2461,12 +2461,226 @@
               <a:buChar char="-"/>
             </a:pPr>
             <a:r>
-              <a:rPr lang="en-AU"/>
+              <a:rPr lang="en-AU" dirty="0"/>
               <a:t>https://github.com/alexa/skill-sample-nodejs-hell</a:t>
             </a:r>
           </a:p>
           <a:p>
+            <a:pPr marL="171450" indent="-171450">
+              <a:buFontTx/>
+              <a:buChar char="-"/>
+            </a:pPr>
+            <a:endParaRPr lang="en-AU" dirty="0"/>
+          </a:p>
+          <a:p>
+            <a:pPr marL="171450" indent="-171450">
+              <a:buFontTx/>
+              <a:buChar char="-"/>
+            </a:pPr>
+            <a:r>
+              <a:rPr lang="en-AU" dirty="0"/>
+              <a:t>Testing</a:t>
+            </a:r>
+          </a:p>
+          <a:p>
+            <a:pPr marL="628650" marR="0" lvl="1" indent="-171450" algn="l" defTabSz="914400" rtl="0" eaLnBrk="1" fontAlgn="auto" latinLnBrk="0" hangingPunct="1">
+              <a:lnSpc>
+                <a:spcPct val="100000"/>
+              </a:lnSpc>
+              <a:spcBef>
+                <a:spcPts val="0"/>
+              </a:spcBef>
+              <a:spcAft>
+                <a:spcPts val="0"/>
+              </a:spcAft>
+              <a:buClrTx/>
+              <a:buSzTx/>
+              <a:buFontTx/>
+              <a:buChar char="-"/>
+              <a:tabLst/>
+              <a:defRPr/>
+            </a:pPr>
+            <a:r>
+              <a:rPr lang="en-AU" dirty="0"/>
+              <a:t>https://developer.amazon.com/alexa/console/</a:t>
+            </a:r>
+          </a:p>
+          <a:p>
+            <a:pPr marL="171450" indent="-171450">
+              <a:buFontTx/>
+              <a:buChar char="-"/>
+            </a:pPr>
+            <a:r>
+              <a:rPr lang="en-AU" dirty="0"/>
+              <a:t>Debugging</a:t>
+            </a:r>
+          </a:p>
+          <a:p>
             <a:pPr marL="628650" lvl="1" indent="-171450">
+              <a:buFontTx/>
+              <a:buChar char="-"/>
+            </a:pPr>
+            <a:r>
+              <a:rPr lang="en-AU" dirty="0"/>
+              <a:t>https://developer.amazon.com/blogs/post/tx24z2qzp5rrtg1/new-alexa-technical-tutorial-debugging-aws-lambda-code-locally</a:t>
+            </a:r>
+          </a:p>
+          <a:p>
+            <a:pPr marL="171450" indent="-171450">
+              <a:buFontTx/>
+              <a:buChar char="-"/>
+            </a:pPr>
+            <a:r>
+              <a:rPr lang="en-AU" dirty="0"/>
+              <a:t>Monitoring</a:t>
+            </a:r>
+          </a:p>
+          <a:p>
+            <a:pPr marL="628650" lvl="1" indent="-171450">
+              <a:buFontTx/>
+              <a:buChar char="-"/>
+            </a:pPr>
+            <a:r>
+              <a:rPr lang="en-AU" dirty="0"/>
+              <a:t>https://console.aws.amazon.com/lambda/ </a:t>
+            </a:r>
+          </a:p>
+          <a:p>
+            <a:pPr marL="171450" lvl="0" indent="-171450">
+              <a:buFontTx/>
+              <a:buChar char="-"/>
+            </a:pPr>
+            <a:r>
+              <a:rPr lang="en-AU" dirty="0"/>
+              <a:t>Logging </a:t>
+            </a:r>
+          </a:p>
+          <a:p>
+            <a:pPr marL="628650" lvl="1" indent="-171450">
+              <a:buFontTx/>
+              <a:buChar char="-"/>
+            </a:pPr>
+            <a:r>
+              <a:rPr lang="en-AU" dirty="0"/>
+              <a:t>CloudWatch</a:t>
+            </a:r>
+          </a:p>
+          <a:p>
+            <a:pPr marL="171450" marR="0" lvl="0" indent="-171450" algn="l" defTabSz="914400" rtl="0" eaLnBrk="1" fontAlgn="auto" latinLnBrk="0" hangingPunct="1">
+              <a:lnSpc>
+                <a:spcPct val="100000"/>
+              </a:lnSpc>
+              <a:spcBef>
+                <a:spcPts val="0"/>
+              </a:spcBef>
+              <a:spcAft>
+                <a:spcPts val="0"/>
+              </a:spcAft>
+              <a:buClrTx/>
+              <a:buSzTx/>
+              <a:buFontTx/>
+              <a:buChar char="-"/>
+              <a:tabLst/>
+              <a:defRPr/>
+            </a:pPr>
+            <a:r>
+              <a:rPr lang="en-AU" sz="1200" b="0" kern="1200" dirty="0">
+                <a:solidFill>
+                  <a:schemeClr val="tx1"/>
+                </a:solidFill>
+                <a:effectLst/>
+                <a:latin typeface="+mn-lt"/>
+                <a:ea typeface="+mn-ea"/>
+                <a:cs typeface="+mn-cs"/>
+              </a:rPr>
+              <a:t>Difficulties:</a:t>
+            </a:r>
+          </a:p>
+          <a:p>
+            <a:pPr marL="628650" marR="0" lvl="1" indent="-171450" algn="l" defTabSz="914400" rtl="0" eaLnBrk="1" fontAlgn="auto" latinLnBrk="0" hangingPunct="1">
+              <a:lnSpc>
+                <a:spcPct val="100000"/>
+              </a:lnSpc>
+              <a:spcBef>
+                <a:spcPts val="0"/>
+              </a:spcBef>
+              <a:spcAft>
+                <a:spcPts val="0"/>
+              </a:spcAft>
+              <a:buClrTx/>
+              <a:buSzTx/>
+              <a:buFontTx/>
+              <a:buChar char="-"/>
+              <a:tabLst/>
+              <a:defRPr/>
+            </a:pPr>
+            <a:r>
+              <a:rPr lang="en-AU" sz="1200" b="0" kern="1200" dirty="0">
+                <a:solidFill>
+                  <a:schemeClr val="tx1"/>
+                </a:solidFill>
+                <a:effectLst/>
+                <a:latin typeface="+mn-lt"/>
+                <a:ea typeface="+mn-ea"/>
+                <a:cs typeface="+mn-cs"/>
+              </a:rPr>
+              <a:t>Changed require('https’) to sync-request</a:t>
+            </a:r>
+          </a:p>
+          <a:p>
+            <a:pPr marL="628650" marR="0" lvl="1" indent="-171450" algn="l" defTabSz="914400" rtl="0" eaLnBrk="1" fontAlgn="auto" latinLnBrk="0" hangingPunct="1">
+              <a:lnSpc>
+                <a:spcPct val="100000"/>
+              </a:lnSpc>
+              <a:spcBef>
+                <a:spcPts val="0"/>
+              </a:spcBef>
+              <a:spcAft>
+                <a:spcPts val="0"/>
+              </a:spcAft>
+              <a:buClrTx/>
+              <a:buSzTx/>
+              <a:buFontTx/>
+              <a:buChar char="-"/>
+              <a:tabLst/>
+              <a:defRPr/>
+            </a:pPr>
+            <a:r>
+              <a:rPr lang="en-AU" sz="1200" b="0" kern="1200" dirty="0">
+                <a:solidFill>
+                  <a:schemeClr val="tx1"/>
+                </a:solidFill>
+                <a:effectLst/>
+                <a:latin typeface="+mn-lt"/>
+                <a:ea typeface="+mn-ea"/>
+                <a:cs typeface="+mn-cs"/>
+              </a:rPr>
+              <a:t>Debugging, monitor </a:t>
+            </a:r>
+            <a:r>
+              <a:rPr lang="en-AU" sz="1200" b="0" kern="1200">
+                <a:solidFill>
+                  <a:schemeClr val="tx1"/>
+                </a:solidFill>
+                <a:effectLst/>
+                <a:latin typeface="+mn-lt"/>
+                <a:ea typeface="+mn-ea"/>
+                <a:cs typeface="+mn-cs"/>
+              </a:rPr>
+              <a:t>and login</a:t>
+            </a:r>
+            <a:endParaRPr lang="en-AU" sz="1200" b="0" kern="1200" dirty="0">
+              <a:solidFill>
+                <a:schemeClr val="tx1"/>
+              </a:solidFill>
+              <a:effectLst/>
+              <a:latin typeface="+mn-lt"/>
+              <a:ea typeface="+mn-ea"/>
+              <a:cs typeface="+mn-cs"/>
+            </a:endParaRPr>
+          </a:p>
+          <a:p>
+            <a:pPr marL="171450" lvl="0" indent="-171450">
               <a:buFontTx/>
               <a:buChar char="-"/>
             </a:pPr>
@@ -2747,7 +2961,7 @@
           <a:p>
             <a:fld id="{A1C9F8B6-CAD5-493B-A17F-C35F3667CF5A}" type="datetimeFigureOut">
               <a:rPr lang="en-AU" smtClean="0"/>
-              <a:t>30/07/2018</a:t>
+              <a:t>31/07/2018</a:t>
             </a:fld>
             <a:endParaRPr lang="en-AU"/>
           </a:p>
@@ -2947,7 +3161,7 @@
           <a:p>
             <a:fld id="{A1C9F8B6-CAD5-493B-A17F-C35F3667CF5A}" type="datetimeFigureOut">
               <a:rPr lang="en-AU" smtClean="0"/>
-              <a:t>30/07/2018</a:t>
+              <a:t>31/07/2018</a:t>
             </a:fld>
             <a:endParaRPr lang="en-AU"/>
           </a:p>
@@ -3157,7 +3371,7 @@
           <a:p>
             <a:fld id="{A1C9F8B6-CAD5-493B-A17F-C35F3667CF5A}" type="datetimeFigureOut">
               <a:rPr lang="en-AU" smtClean="0"/>
-              <a:t>30/07/2018</a:t>
+              <a:t>31/07/2018</a:t>
             </a:fld>
             <a:endParaRPr lang="en-AU"/>
           </a:p>
@@ -3357,7 +3571,7 @@
           <a:p>
             <a:fld id="{A1C9F8B6-CAD5-493B-A17F-C35F3667CF5A}" type="datetimeFigureOut">
               <a:rPr lang="en-AU" smtClean="0"/>
-              <a:t>30/07/2018</a:t>
+              <a:t>31/07/2018</a:t>
             </a:fld>
             <a:endParaRPr lang="en-AU"/>
           </a:p>
@@ -3633,7 +3847,7 @@
           <a:p>
             <a:fld id="{A1C9F8B6-CAD5-493B-A17F-C35F3667CF5A}" type="datetimeFigureOut">
               <a:rPr lang="en-AU" smtClean="0"/>
-              <a:t>30/07/2018</a:t>
+              <a:t>31/07/2018</a:t>
             </a:fld>
             <a:endParaRPr lang="en-AU"/>
           </a:p>
@@ -3901,7 +4115,7 @@
           <a:p>
             <a:fld id="{A1C9F8B6-CAD5-493B-A17F-C35F3667CF5A}" type="datetimeFigureOut">
               <a:rPr lang="en-AU" smtClean="0"/>
-              <a:t>30/07/2018</a:t>
+              <a:t>31/07/2018</a:t>
             </a:fld>
             <a:endParaRPr lang="en-AU"/>
           </a:p>
@@ -4316,7 +4530,7 @@
           <a:p>
             <a:fld id="{A1C9F8B6-CAD5-493B-A17F-C35F3667CF5A}" type="datetimeFigureOut">
               <a:rPr lang="en-AU" smtClean="0"/>
-              <a:t>30/07/2018</a:t>
+              <a:t>31/07/2018</a:t>
             </a:fld>
             <a:endParaRPr lang="en-AU"/>
           </a:p>
@@ -4458,7 +4672,7 @@
           <a:p>
             <a:fld id="{A1C9F8B6-CAD5-493B-A17F-C35F3667CF5A}" type="datetimeFigureOut">
               <a:rPr lang="en-AU" smtClean="0"/>
-              <a:t>30/07/2018</a:t>
+              <a:t>31/07/2018</a:t>
             </a:fld>
             <a:endParaRPr lang="en-AU"/>
           </a:p>
@@ -4571,7 +4785,7 @@
           <a:p>
             <a:fld id="{A1C9F8B6-CAD5-493B-A17F-C35F3667CF5A}" type="datetimeFigureOut">
               <a:rPr lang="en-AU" smtClean="0"/>
-              <a:t>30/07/2018</a:t>
+              <a:t>31/07/2018</a:t>
             </a:fld>
             <a:endParaRPr lang="en-AU"/>
           </a:p>
@@ -4884,7 +5098,7 @@
           <a:p>
             <a:fld id="{A1C9F8B6-CAD5-493B-A17F-C35F3667CF5A}" type="datetimeFigureOut">
               <a:rPr lang="en-AU" smtClean="0"/>
-              <a:t>30/07/2018</a:t>
+              <a:t>31/07/2018</a:t>
             </a:fld>
             <a:endParaRPr lang="en-AU"/>
           </a:p>
@@ -5173,7 +5387,7 @@
           <a:p>
             <a:fld id="{A1C9F8B6-CAD5-493B-A17F-C35F3667CF5A}" type="datetimeFigureOut">
               <a:rPr lang="en-AU" smtClean="0"/>
-              <a:t>30/07/2018</a:t>
+              <a:t>31/07/2018</a:t>
             </a:fld>
             <a:endParaRPr lang="en-AU"/>
           </a:p>
@@ -5416,7 +5630,7 @@
           <a:p>
             <a:fld id="{A1C9F8B6-CAD5-493B-A17F-C35F3667CF5A}" type="datetimeFigureOut">
               <a:rPr lang="en-AU" smtClean="0"/>
-              <a:t>30/07/2018</a:t>
+              <a:t>31/07/2018</a:t>
             </a:fld>
             <a:endParaRPr lang="en-AU"/>
           </a:p>

--- a/ReadifyB2B-Alexa.pptx
+++ b/ReadifyB2B-Alexa.pptx
@@ -12,11 +12,11 @@
     <p:sldId id="257" r:id="rId3"/>
     <p:sldId id="258" r:id="rId4"/>
     <p:sldId id="259" r:id="rId5"/>
-    <p:sldId id="262" r:id="rId6"/>
-    <p:sldId id="261" r:id="rId7"/>
-    <p:sldId id="264" r:id="rId8"/>
-    <p:sldId id="265" r:id="rId9"/>
-    <p:sldId id="266" r:id="rId10"/>
+    <p:sldId id="261" r:id="rId6"/>
+    <p:sldId id="268" r:id="rId7"/>
+    <p:sldId id="265" r:id="rId8"/>
+    <p:sldId id="266" r:id="rId9"/>
+    <p:sldId id="267" r:id="rId10"/>
   </p:sldIdLst>
   <p:sldSz cx="12192000" cy="6858000"/>
   <p:notesSz cx="6858000" cy="9144000"/>
@@ -526,20 +526,20 @@
             <ac:spMk id="2" creationId="{1907AA3C-7716-480B-9E25-D29C1F4B8E16}"/>
           </ac:spMkLst>
         </pc:spChg>
+        <pc:spChg chg="del">
+          <ac:chgData name="Giovani Decusati" userId="e9e75d80-f139-4999-95c2-47cf86368938" providerId="ADAL" clId="{19609E3A-3601-4F6A-92C7-BD754E1465E7}" dt="2018-07-27T00:50:34.367" v="238" actId="478"/>
+          <ac:spMkLst>
+            <pc:docMk/>
+            <pc:sldMk cId="1313323197" sldId="260"/>
+            <ac:spMk id="3" creationId="{A90FF9C7-89AB-481B-AF9A-30D9EE57790D}"/>
+          </ac:spMkLst>
+        </pc:spChg>
         <pc:spChg chg="add del mod">
           <ac:chgData name="Giovani Decusati" userId="e9e75d80-f139-4999-95c2-47cf86368938" providerId="ADAL" clId="{19609E3A-3601-4F6A-92C7-BD754E1465E7}" dt="2018-07-30T04:03:14.897" v="1351"/>
           <ac:spMkLst>
             <pc:docMk/>
             <pc:sldMk cId="1313323197" sldId="260"/>
             <ac:spMk id="3" creationId="{E21AE1C7-1455-4570-AE5B-D3F250E798F0}"/>
-          </ac:spMkLst>
-        </pc:spChg>
-        <pc:spChg chg="del">
-          <ac:chgData name="Giovani Decusati" userId="e9e75d80-f139-4999-95c2-47cf86368938" providerId="ADAL" clId="{19609E3A-3601-4F6A-92C7-BD754E1465E7}" dt="2018-07-27T00:50:34.367" v="238" actId="478"/>
-          <ac:spMkLst>
-            <pc:docMk/>
-            <pc:sldMk cId="1313323197" sldId="260"/>
-            <ac:spMk id="3" creationId="{A90FF9C7-89AB-481B-AF9A-30D9EE57790D}"/>
           </ac:spMkLst>
         </pc:spChg>
         <pc:spChg chg="add del">
@@ -1063,7 +1063,7 @@
           <a:p>
             <a:fld id="{1862C150-BE26-4D5C-9E6B-94B0DAE4EA08}" type="datetimeFigureOut">
               <a:rPr lang="en-AU" smtClean="0"/>
-              <a:t>31/07/2018</a:t>
+              <a:t>1/08/2018</a:t>
             </a:fld>
             <a:endParaRPr lang="en-AU"/>
           </a:p>
@@ -1375,21 +1375,80 @@
           <a:bodyPr/>
           <a:lstStyle/>
           <a:p>
+            <a:pPr marL="171450" indent="-171450">
+              <a:buFontTx/>
+              <a:buChar char="-"/>
+            </a:pPr>
             <a:r>
               <a:rPr lang="en-AU" dirty="0"/>
-              <a:t>References:</a:t>
-            </a:r>
-          </a:p>
-          <a:p>
+              <a:t>Introduce: Greetings, Name, Role</a:t>
+            </a:r>
+          </a:p>
+          <a:p>
+            <a:pPr marL="171450" indent="-171450">
+              <a:buFontTx/>
+              <a:buChar char="-"/>
+            </a:pPr>
             <a:r>
               <a:rPr lang="en-AU" dirty="0"/>
-              <a:t>https://www.businessnewsdaily.com/10315-siri-cortana-google-assistant-amazon-alexa-face-off.html</a:t>
-            </a:r>
-          </a:p>
-          <a:p>
+              <a:t>Goals: tiny experience during Westpac Hackathon </a:t>
+            </a:r>
+          </a:p>
+          <a:p>
+            <a:pPr marL="171450" indent="-171450">
+              <a:buFontTx/>
+              <a:buChar char="-"/>
+            </a:pPr>
             <a:r>
               <a:rPr lang="en-AU" dirty="0"/>
-              <a:t>https://au.pcmag.com/harman-kardon-invoke/50169/review/harman-kardon-invoke</a:t>
+              <a:t>Devices available for shopping </a:t>
+            </a:r>
+          </a:p>
+          <a:p>
+            <a:pPr marL="171450" indent="-171450">
+              <a:buFontTx/>
+              <a:buChar char="-"/>
+            </a:pPr>
+            <a:r>
+              <a:rPr lang="en-AU" dirty="0"/>
+              <a:t>How to start with Alexa</a:t>
+            </a:r>
+          </a:p>
+          <a:p>
+            <a:pPr marL="171450" indent="-171450">
+              <a:buFontTx/>
+              <a:buChar char="-"/>
+            </a:pPr>
+            <a:endParaRPr lang="en-AU" dirty="0"/>
+          </a:p>
+          <a:p>
+            <a:pPr marL="0" indent="0">
+              <a:buFontTx/>
+              <a:buNone/>
+            </a:pPr>
+            <a:r>
+              <a:rPr lang="en-AU" dirty="0"/>
+              <a:t>Open:</a:t>
+            </a:r>
+          </a:p>
+          <a:p>
+            <a:pPr marL="171450" indent="-171450">
+              <a:buFontTx/>
+              <a:buChar char="-"/>
+            </a:pPr>
+            <a:r>
+              <a:rPr lang="en-AU" dirty="0"/>
+              <a:t>https://developer.amazon.com/alexa/console/ask?</a:t>
+            </a:r>
+          </a:p>
+          <a:p>
+            <a:pPr marL="171450" indent="-171450">
+              <a:buFontTx/>
+              <a:buChar char="-"/>
+            </a:pPr>
+            <a:r>
+              <a:rPr lang="en-AU" dirty="0"/>
+              <a:t>https://console.aws.amazon.com/lambda/home?region=us-east-1&amp;#/functions </a:t>
             </a:r>
           </a:p>
         </p:txBody>
@@ -1411,7 +1470,7 @@
           <a:p>
             <a:fld id="{7A2BE48C-4A00-403F-B3B4-762511959712}" type="slidenum">
               <a:rPr lang="en-AU" smtClean="0"/>
-              <a:t>2</a:t>
+              <a:t>1</a:t>
             </a:fld>
             <a:endParaRPr lang="en-AU"/>
           </a:p>
@@ -1420,7 +1479,7 @@
     </p:spTree>
     <p:extLst>
       <p:ext uri="{BB962C8B-B14F-4D97-AF65-F5344CB8AC3E}">
-        <p14:creationId xmlns:p14="http://schemas.microsoft.com/office/powerpoint/2010/main" val="1527133901"/>
+        <p14:creationId xmlns:p14="http://schemas.microsoft.com/office/powerpoint/2010/main" val="562717143"/>
       </p:ext>
     </p:extLst>
   </p:cSld>
@@ -1474,7 +1533,37 @@
           <a:bodyPr/>
           <a:lstStyle/>
           <a:p>
+            <a:r>
+              <a:rPr lang="en-AU" sz="1200" kern="1200" dirty="0">
+                <a:solidFill>
+                  <a:schemeClr val="tx1"/>
+                </a:solidFill>
+                <a:effectLst/>
+                <a:latin typeface="+mn-lt"/>
+                <a:ea typeface="+mn-ea"/>
+                <a:cs typeface="+mn-cs"/>
+              </a:rPr>
+              <a:t>- Echo Dot the user can add many devices he can to cover all the rooms in a house and wait for the answer from the closest device through an ESP (Echo Spatial Perception) feature. </a:t>
+            </a:r>
             <a:endParaRPr lang="en-AU" dirty="0"/>
+          </a:p>
+          <a:p>
+            <a:r>
+              <a:rPr lang="en-AU" dirty="0"/>
+              <a:t>References:</a:t>
+            </a:r>
+          </a:p>
+          <a:p>
+            <a:r>
+              <a:rPr lang="en-AU" dirty="0"/>
+              <a:t>https://www.businessnewsdaily.com/10315-siri-cortana-google-assistant-amazon-alexa-face-off.html</a:t>
+            </a:r>
+          </a:p>
+          <a:p>
+            <a:r>
+              <a:rPr lang="en-AU" dirty="0"/>
+              <a:t>https://au.pcmag.com/harman-kardon-invoke/50169/review/harman-kardon-invoke</a:t>
+            </a:r>
           </a:p>
         </p:txBody>
       </p:sp>
@@ -1495,7 +1584,7 @@
           <a:p>
             <a:fld id="{7A2BE48C-4A00-403F-B3B4-762511959712}" type="slidenum">
               <a:rPr lang="en-AU" smtClean="0"/>
-              <a:t>3</a:t>
+              <a:t>2</a:t>
             </a:fld>
             <a:endParaRPr lang="en-AU"/>
           </a:p>
@@ -1504,7 +1593,7 @@
     </p:spTree>
     <p:extLst>
       <p:ext uri="{BB962C8B-B14F-4D97-AF65-F5344CB8AC3E}">
-        <p14:creationId xmlns:p14="http://schemas.microsoft.com/office/powerpoint/2010/main" val="1902771941"/>
+        <p14:creationId xmlns:p14="http://schemas.microsoft.com/office/powerpoint/2010/main" val="1527133901"/>
       </p:ext>
     </p:extLst>
   </p:cSld>
@@ -1558,9 +1647,80 @@
           <a:bodyPr/>
           <a:lstStyle/>
           <a:p>
+            <a:pPr marL="171450" indent="-171450">
+              <a:buFontTx/>
+              <a:buChar char="-"/>
+            </a:pPr>
             <a:r>
               <a:rPr lang="en-AU" dirty="0"/>
-              <a:t>https://www.wired.com/story/best-smart-speakers/</a:t>
+              <a:t>Not a Rocket Science </a:t>
+            </a:r>
+          </a:p>
+          <a:p>
+            <a:pPr marL="171450" indent="-171450">
+              <a:buFontTx/>
+              <a:buChar char="-"/>
+            </a:pPr>
+            <a:r>
+              <a:rPr lang="en-AU" dirty="0"/>
+              <a:t>Merely sound box</a:t>
+            </a:r>
+          </a:p>
+          <a:p>
+            <a:pPr marL="171450" indent="-171450">
+              <a:buFontTx/>
+              <a:buChar char="-"/>
+            </a:pPr>
+            <a:r>
+              <a:rPr lang="en-AU" dirty="0"/>
+              <a:t>You can build you own device with a speaker, microphone and an </a:t>
+            </a:r>
+            <a:r>
+              <a:rPr lang="en-AU" dirty="0" err="1"/>
+              <a:t>Raspbery</a:t>
+            </a:r>
+            <a:r>
+              <a:rPr lang="en-AU" dirty="0"/>
+              <a:t> </a:t>
+            </a:r>
+            <a:r>
+              <a:rPr lang="en-AU" dirty="0" err="1"/>
+              <a:t>Py</a:t>
+            </a:r>
+            <a:r>
+              <a:rPr lang="en-AU" dirty="0"/>
+              <a:t> Board.</a:t>
+            </a:r>
+          </a:p>
+          <a:p>
+            <a:pPr marL="171450" marR="0" lvl="0" indent="-171450" algn="l" defTabSz="914400" rtl="0" eaLnBrk="1" fontAlgn="auto" latinLnBrk="0" hangingPunct="1">
+              <a:lnSpc>
+                <a:spcPct val="100000"/>
+              </a:lnSpc>
+              <a:spcBef>
+                <a:spcPts val="0"/>
+              </a:spcBef>
+              <a:spcAft>
+                <a:spcPts val="0"/>
+              </a:spcAft>
+              <a:buClrTx/>
+              <a:buSzTx/>
+              <a:buFontTx/>
+              <a:buChar char="-"/>
+              <a:tabLst/>
+              <a:defRPr/>
+            </a:pPr>
+            <a:r>
+              <a:rPr lang="en-AU" sz="1200" kern="1200" dirty="0">
+                <a:solidFill>
+                  <a:schemeClr val="tx1"/>
+                </a:solidFill>
+                <a:effectLst/>
+                <a:latin typeface="+mn-lt"/>
+                <a:ea typeface="+mn-ea"/>
+                <a:cs typeface="+mn-cs"/>
+              </a:rPr>
+              <a:t>So where is the intelligence behind this devices? </a:t>
             </a:r>
           </a:p>
         </p:txBody>
@@ -1582,7 +1742,7 @@
           <a:p>
             <a:fld id="{7A2BE48C-4A00-403F-B3B4-762511959712}" type="slidenum">
               <a:rPr lang="en-AU" smtClean="0"/>
-              <a:t>4</a:t>
+              <a:t>3</a:t>
             </a:fld>
             <a:endParaRPr lang="en-AU"/>
           </a:p>
@@ -1591,7 +1751,7 @@
     </p:spTree>
     <p:extLst>
       <p:ext uri="{BB962C8B-B14F-4D97-AF65-F5344CB8AC3E}">
-        <p14:creationId xmlns:p14="http://schemas.microsoft.com/office/powerpoint/2010/main" val="1605873587"/>
+        <p14:creationId xmlns:p14="http://schemas.microsoft.com/office/powerpoint/2010/main" val="1902771941"/>
       </p:ext>
     </p:extLst>
   </p:cSld>
@@ -1645,9 +1805,313 @@
           <a:bodyPr/>
           <a:lstStyle/>
           <a:p>
+            <a:endParaRPr lang="en-AU" dirty="0"/>
+          </a:p>
+          <a:p>
+            <a:pPr marL="171450" indent="-171450">
+              <a:buFontTx/>
+              <a:buChar char="-"/>
+            </a:pPr>
+            <a:r>
+              <a:rPr lang="en-AU" sz="1200" kern="1200" dirty="0">
+                <a:solidFill>
+                  <a:schemeClr val="tx1"/>
+                </a:solidFill>
+                <a:effectLst/>
+                <a:latin typeface="+mn-lt"/>
+                <a:ea typeface="+mn-ea"/>
+                <a:cs typeface="+mn-cs"/>
+              </a:rPr>
+              <a:t>This mechanism can interpret user </a:t>
+            </a:r>
+            <a:r>
+              <a:rPr lang="en-AU" sz="1200" b="1" kern="1200" dirty="0">
+                <a:solidFill>
+                  <a:schemeClr val="tx1"/>
+                </a:solidFill>
+                <a:effectLst/>
+                <a:latin typeface="+mn-lt"/>
+                <a:ea typeface="+mn-ea"/>
+                <a:cs typeface="+mn-cs"/>
+              </a:rPr>
+              <a:t>intends</a:t>
+            </a:r>
+            <a:r>
+              <a:rPr lang="en-AU" sz="1200" kern="1200" dirty="0">
+                <a:solidFill>
+                  <a:schemeClr val="tx1"/>
+                </a:solidFill>
+                <a:effectLst/>
+                <a:latin typeface="+mn-lt"/>
+                <a:ea typeface="+mn-ea"/>
+                <a:cs typeface="+mn-cs"/>
+              </a:rPr>
+              <a:t>, </a:t>
+            </a:r>
+            <a:r>
+              <a:rPr lang="en-AU" sz="1200" b="1" kern="1200" dirty="0">
+                <a:solidFill>
+                  <a:schemeClr val="tx1"/>
+                </a:solidFill>
+                <a:effectLst/>
+                <a:latin typeface="+mn-lt"/>
+                <a:ea typeface="+mn-ea"/>
+                <a:cs typeface="+mn-cs"/>
+              </a:rPr>
+              <a:t>utterances</a:t>
+            </a:r>
+            <a:r>
+              <a:rPr lang="en-AU" sz="1200" kern="1200" dirty="0">
+                <a:solidFill>
+                  <a:schemeClr val="tx1"/>
+                </a:solidFill>
+                <a:effectLst/>
+                <a:latin typeface="+mn-lt"/>
+                <a:ea typeface="+mn-ea"/>
+                <a:cs typeface="+mn-cs"/>
+              </a:rPr>
+              <a:t>, </a:t>
+            </a:r>
+            <a:r>
+              <a:rPr lang="en-AU" sz="1200" b="1" kern="1200" dirty="0">
+                <a:solidFill>
+                  <a:schemeClr val="tx1"/>
+                </a:solidFill>
+                <a:effectLst/>
+                <a:latin typeface="+mn-lt"/>
+                <a:ea typeface="+mn-ea"/>
+                <a:cs typeface="+mn-cs"/>
+              </a:rPr>
+              <a:t>slots</a:t>
+            </a:r>
+            <a:r>
+              <a:rPr lang="en-AU" sz="1200" kern="1200" dirty="0">
+                <a:solidFill>
+                  <a:schemeClr val="tx1"/>
+                </a:solidFill>
+                <a:effectLst/>
+                <a:latin typeface="+mn-lt"/>
+                <a:ea typeface="+mn-ea"/>
+                <a:cs typeface="+mn-cs"/>
+              </a:rPr>
+              <a:t> and answer with a </a:t>
+            </a:r>
+            <a:r>
+              <a:rPr lang="en-AU" sz="1200" b="1" kern="1200" dirty="0">
+                <a:solidFill>
+                  <a:schemeClr val="tx1"/>
+                </a:solidFill>
+                <a:effectLst/>
+                <a:latin typeface="+mn-lt"/>
+                <a:ea typeface="+mn-ea"/>
+                <a:cs typeface="+mn-cs"/>
+              </a:rPr>
+              <a:t>fulfilment</a:t>
+            </a:r>
+            <a:r>
+              <a:rPr lang="en-AU" sz="1200" kern="1200" dirty="0">
+                <a:solidFill>
+                  <a:schemeClr val="tx1"/>
+                </a:solidFill>
+                <a:effectLst/>
+                <a:latin typeface="+mn-lt"/>
+                <a:ea typeface="+mn-ea"/>
+                <a:cs typeface="+mn-cs"/>
+              </a:rPr>
+              <a:t> for your intend</a:t>
+            </a:r>
+          </a:p>
+          <a:p>
+            <a:pPr marL="171450" indent="-171450">
+              <a:buFontTx/>
+              <a:buChar char="-"/>
+            </a:pPr>
+            <a:r>
+              <a:rPr lang="en-US" sz="1200" kern="1200" dirty="0">
+                <a:solidFill>
+                  <a:schemeClr val="tx1"/>
+                </a:solidFill>
+                <a:effectLst/>
+                <a:latin typeface="+mn-lt"/>
+                <a:ea typeface="+mn-ea"/>
+                <a:cs typeface="+mn-cs"/>
+              </a:rPr>
+              <a:t>A bot is an app that </a:t>
+            </a:r>
+            <a:r>
+              <a:rPr lang="en-US" sz="1200" b="1" kern="1200" dirty="0">
+                <a:solidFill>
+                  <a:schemeClr val="tx1"/>
+                </a:solidFill>
+                <a:effectLst/>
+                <a:latin typeface="+mn-lt"/>
+                <a:ea typeface="+mn-ea"/>
+                <a:cs typeface="+mn-cs"/>
+              </a:rPr>
+              <a:t>users interact</a:t>
+            </a:r>
+            <a:r>
+              <a:rPr lang="en-US" sz="1200" kern="1200" dirty="0">
+                <a:solidFill>
+                  <a:schemeClr val="tx1"/>
+                </a:solidFill>
+                <a:effectLst/>
+                <a:latin typeface="+mn-lt"/>
+                <a:ea typeface="+mn-ea"/>
+                <a:cs typeface="+mn-cs"/>
+              </a:rPr>
+              <a:t> with </a:t>
+            </a:r>
+            <a:r>
+              <a:rPr lang="en-US" sz="1200" b="1" kern="1200" dirty="0">
+                <a:solidFill>
+                  <a:schemeClr val="tx1"/>
+                </a:solidFill>
+                <a:effectLst/>
+                <a:latin typeface="+mn-lt"/>
+                <a:ea typeface="+mn-ea"/>
+                <a:cs typeface="+mn-cs"/>
+              </a:rPr>
+              <a:t>in a conversational way</a:t>
+            </a:r>
+            <a:r>
+              <a:rPr lang="en-US" sz="1200" kern="1200" dirty="0">
+                <a:solidFill>
+                  <a:schemeClr val="tx1"/>
+                </a:solidFill>
+                <a:effectLst/>
+                <a:latin typeface="+mn-lt"/>
+                <a:ea typeface="+mn-ea"/>
+                <a:cs typeface="+mn-cs"/>
+              </a:rPr>
+              <a:t> using </a:t>
+            </a:r>
+            <a:r>
+              <a:rPr lang="en-US" sz="1200" b="1" kern="1200" dirty="0">
+                <a:solidFill>
+                  <a:schemeClr val="tx1"/>
+                </a:solidFill>
+                <a:effectLst/>
+                <a:latin typeface="+mn-lt"/>
+                <a:ea typeface="+mn-ea"/>
+                <a:cs typeface="+mn-cs"/>
+              </a:rPr>
+              <a:t>text, graphics (cards), or speech.</a:t>
+            </a:r>
+            <a:r>
+              <a:rPr lang="en-US" sz="1200" kern="1200" dirty="0">
+                <a:solidFill>
+                  <a:schemeClr val="tx1"/>
+                </a:solidFill>
+                <a:effectLst/>
+                <a:latin typeface="+mn-lt"/>
+                <a:ea typeface="+mn-ea"/>
+                <a:cs typeface="+mn-cs"/>
+              </a:rPr>
+              <a:t> </a:t>
+            </a:r>
+          </a:p>
+          <a:p>
+            <a:pPr marL="171450" indent="-171450">
+              <a:buFontTx/>
+              <a:buChar char="-"/>
+            </a:pPr>
+            <a:r>
+              <a:rPr lang="en-US" sz="1200" kern="1200" dirty="0">
+                <a:solidFill>
+                  <a:schemeClr val="tx1"/>
+                </a:solidFill>
+                <a:effectLst/>
+                <a:latin typeface="+mn-lt"/>
+                <a:ea typeface="+mn-ea"/>
+                <a:cs typeface="+mn-cs"/>
+              </a:rPr>
+              <a:t>It may be a simple question and answer dialog, or a sophisticated bot that allows people to interact with services in an intelligent manner using </a:t>
+            </a:r>
+            <a:r>
+              <a:rPr lang="en-US" sz="1200" b="1" kern="1200" dirty="0">
+                <a:solidFill>
+                  <a:schemeClr val="tx1"/>
+                </a:solidFill>
+                <a:effectLst/>
+                <a:latin typeface="+mn-lt"/>
+                <a:ea typeface="+mn-ea"/>
+                <a:cs typeface="+mn-cs"/>
+              </a:rPr>
+              <a:t>pattern matching</a:t>
+            </a:r>
+            <a:r>
+              <a:rPr lang="en-US" sz="1200" kern="1200" dirty="0">
+                <a:solidFill>
+                  <a:schemeClr val="tx1"/>
+                </a:solidFill>
+                <a:effectLst/>
+                <a:latin typeface="+mn-lt"/>
+                <a:ea typeface="+mn-ea"/>
+                <a:cs typeface="+mn-cs"/>
+              </a:rPr>
+              <a:t>, </a:t>
+            </a:r>
+            <a:r>
+              <a:rPr lang="en-US" sz="1200" b="1" kern="1200" dirty="0">
+                <a:solidFill>
+                  <a:schemeClr val="tx1"/>
+                </a:solidFill>
+                <a:effectLst/>
+                <a:latin typeface="+mn-lt"/>
+                <a:ea typeface="+mn-ea"/>
+                <a:cs typeface="+mn-cs"/>
+              </a:rPr>
+              <a:t>state tracking</a:t>
+            </a:r>
+            <a:r>
+              <a:rPr lang="en-US" sz="1200" kern="1200" dirty="0">
+                <a:solidFill>
+                  <a:schemeClr val="tx1"/>
+                </a:solidFill>
+                <a:effectLst/>
+                <a:latin typeface="+mn-lt"/>
+                <a:ea typeface="+mn-ea"/>
+                <a:cs typeface="+mn-cs"/>
+              </a:rPr>
+              <a:t> and </a:t>
+            </a:r>
+            <a:r>
+              <a:rPr lang="en-US" sz="1200" b="1" kern="1200" dirty="0">
+                <a:solidFill>
+                  <a:schemeClr val="tx1"/>
+                </a:solidFill>
+                <a:effectLst/>
+                <a:latin typeface="+mn-lt"/>
+                <a:ea typeface="+mn-ea"/>
+                <a:cs typeface="+mn-cs"/>
+              </a:rPr>
+              <a:t>artificial intelligence techniques well-integrated with existing business services</a:t>
+            </a:r>
+            <a:r>
+              <a:rPr lang="en-US" sz="1200" kern="1200" dirty="0">
+                <a:solidFill>
+                  <a:schemeClr val="tx1"/>
+                </a:solidFill>
+                <a:effectLst/>
+                <a:latin typeface="+mn-lt"/>
+                <a:ea typeface="+mn-ea"/>
+                <a:cs typeface="+mn-cs"/>
+              </a:rPr>
+              <a:t>. </a:t>
+            </a:r>
+            <a:endParaRPr lang="en-AU" dirty="0"/>
+          </a:p>
+          <a:p>
             <a:r>
               <a:rPr lang="en-AU" dirty="0"/>
-              <a:t>https://www.globalme.net/blog/language-support-voice-assistants-compared</a:t>
+              <a:t>Reference:</a:t>
+            </a:r>
+          </a:p>
+          <a:p>
+            <a:r>
+              <a:rPr lang="en-AU" dirty="0"/>
+              <a:t>https://www.wired.com/story/best-smart-speakers/</a:t>
             </a:r>
           </a:p>
         </p:txBody>
@@ -1669,7 +2133,7 @@
           <a:p>
             <a:fld id="{7A2BE48C-4A00-403F-B3B4-762511959712}" type="slidenum">
               <a:rPr lang="en-AU" smtClean="0"/>
-              <a:t>5</a:t>
+              <a:t>4</a:t>
             </a:fld>
             <a:endParaRPr lang="en-AU"/>
           </a:p>
@@ -1678,7 +2142,7 @@
     </p:spTree>
     <p:extLst>
       <p:ext uri="{BB962C8B-B14F-4D97-AF65-F5344CB8AC3E}">
-        <p14:creationId xmlns:p14="http://schemas.microsoft.com/office/powerpoint/2010/main" val="4195567030"/>
+        <p14:creationId xmlns:p14="http://schemas.microsoft.com/office/powerpoint/2010/main" val="1605873587"/>
       </p:ext>
     </p:extLst>
   </p:cSld>
@@ -1742,14 +2206,10 @@
                 <a:ea typeface="+mn-ea"/>
                 <a:cs typeface="+mn-cs"/>
               </a:rPr>
-              <a:t>Plan:</a:t>
-            </a:r>
-          </a:p>
-          <a:p>
-            <a:pPr marL="171450" indent="-171450">
-              <a:buFontTx/>
-              <a:buChar char="-"/>
-            </a:pPr>
+              <a:t>Plan: </a:t>
+            </a:r>
+          </a:p>
+          <a:p>
             <a:r>
               <a:rPr lang="en-US" sz="1200" b="0" i="0" kern="1200" dirty="0">
                 <a:solidFill>
@@ -1760,16 +2220,10 @@
                 <a:ea typeface="+mn-ea"/>
                 <a:cs typeface="+mn-cs"/>
               </a:rPr>
-              <a:t>Check design guidelines for best practices</a:t>
-            </a:r>
-          </a:p>
-          <a:p>
-            <a:pPr marL="171450" indent="-171450">
-              <a:buFontTx/>
-              <a:buChar char="-"/>
-            </a:pPr>
-            <a:r>
-              <a:rPr lang="en-US" sz="1200" b="0" i="0" kern="1200" dirty="0">
+              <a:t>- </a:t>
+            </a:r>
+            <a:r>
+              <a:rPr lang="en-AU" sz="1200" kern="1200" dirty="0">
                 <a:solidFill>
                   <a:schemeClr val="tx1"/>
                 </a:solidFill>
@@ -1778,7 +2232,55 @@
                 <a:ea typeface="+mn-ea"/>
                 <a:cs typeface="+mn-cs"/>
               </a:rPr>
-              <a:t>Identify your needs and extract behaviors (User Experience and Design Techniques may applied.)</a:t>
+              <a:t>You must be aware of design guidelines to create </a:t>
+            </a:r>
+            <a:r>
+              <a:rPr lang="en-AU" sz="1200" b="1" kern="1200" dirty="0">
+                <a:solidFill>
+                  <a:schemeClr val="tx1"/>
+                </a:solidFill>
+                <a:effectLst/>
+                <a:latin typeface="+mn-lt"/>
+                <a:ea typeface="+mn-ea"/>
+                <a:cs typeface="+mn-cs"/>
+              </a:rPr>
+              <a:t>more realistic communication</a:t>
+            </a:r>
+            <a:r>
+              <a:rPr lang="en-AU" sz="1200" kern="1200" dirty="0">
+                <a:solidFill>
+                  <a:schemeClr val="tx1"/>
+                </a:solidFill>
+                <a:effectLst/>
+                <a:latin typeface="+mn-lt"/>
+                <a:ea typeface="+mn-ea"/>
+                <a:cs typeface="+mn-cs"/>
+              </a:rPr>
+              <a:t> and </a:t>
+            </a:r>
+            <a:r>
+              <a:rPr lang="en-AU" sz="1200" b="1" kern="1200" dirty="0">
+                <a:solidFill>
+                  <a:schemeClr val="tx1"/>
+                </a:solidFill>
+                <a:effectLst/>
+                <a:latin typeface="+mn-lt"/>
+                <a:ea typeface="+mn-ea"/>
+                <a:cs typeface="+mn-cs"/>
+              </a:rPr>
+              <a:t>identify user needs extracting behaviour from the human commands and responses</a:t>
+            </a:r>
+            <a:r>
+              <a:rPr lang="en-AU" sz="1200" kern="1200" dirty="0">
+                <a:solidFill>
+                  <a:schemeClr val="tx1"/>
+                </a:solidFill>
+                <a:effectLst/>
+                <a:latin typeface="+mn-lt"/>
+                <a:ea typeface="+mn-ea"/>
+                <a:cs typeface="+mn-cs"/>
+              </a:rPr>
+              <a:t>. Maybe a new task leaded by the design team.</a:t>
             </a:r>
           </a:p>
           <a:p>
@@ -1845,7 +2347,86 @@
                 <a:ea typeface="+mn-ea"/>
                 <a:cs typeface="+mn-cs"/>
               </a:rPr>
-              <a:t>CLI Tools, VSTUDIO, VSCODE, Web Platform</a:t>
+              <a:t>CLI Tools, VSTUDIO, </a:t>
+            </a:r>
+            <a:r>
+              <a:rPr lang="en-US" sz="1200" b="0" i="1" kern="1200" dirty="0">
+                <a:solidFill>
+                  <a:schemeClr val="tx1"/>
+                </a:solidFill>
+                <a:effectLst/>
+                <a:latin typeface="+mn-lt"/>
+                <a:ea typeface="+mn-ea"/>
+                <a:cs typeface="+mn-cs"/>
+              </a:rPr>
+              <a:t>VSCODE</a:t>
+            </a:r>
+            <a:r>
+              <a:rPr lang="en-US" sz="1200" b="0" i="0" kern="1200" dirty="0">
+                <a:solidFill>
+                  <a:schemeClr val="tx1"/>
+                </a:solidFill>
+                <a:effectLst/>
+                <a:latin typeface="+mn-lt"/>
+                <a:ea typeface="+mn-ea"/>
+                <a:cs typeface="+mn-cs"/>
+              </a:rPr>
+              <a:t>, Web Platform</a:t>
+            </a:r>
+          </a:p>
+          <a:p>
+            <a:pPr marL="171450" marR="0" lvl="0" indent="-171450" algn="l" defTabSz="914400" rtl="0" eaLnBrk="1" fontAlgn="auto" latinLnBrk="0" hangingPunct="1">
+              <a:lnSpc>
+                <a:spcPct val="100000"/>
+              </a:lnSpc>
+              <a:spcBef>
+                <a:spcPts val="0"/>
+              </a:spcBef>
+              <a:spcAft>
+                <a:spcPts val="0"/>
+              </a:spcAft>
+              <a:buClrTx/>
+              <a:buSzTx/>
+              <a:buFontTx/>
+              <a:buChar char="-"/>
+              <a:tabLst/>
+              <a:defRPr/>
+            </a:pPr>
+            <a:r>
+              <a:rPr lang="en-US" sz="1200" b="0" i="0" kern="1200" dirty="0">
+                <a:solidFill>
+                  <a:schemeClr val="tx1"/>
+                </a:solidFill>
+                <a:effectLst/>
+                <a:latin typeface="+mn-lt"/>
+                <a:ea typeface="+mn-ea"/>
+                <a:cs typeface="+mn-cs"/>
+              </a:rPr>
+              <a:t>Lambada Functions (</a:t>
+            </a:r>
+            <a:r>
+              <a:rPr lang="en-US" sz="1200" b="0" i="0" kern="1200" dirty="0" err="1">
+                <a:solidFill>
+                  <a:schemeClr val="tx1"/>
+                </a:solidFill>
+                <a:effectLst/>
+                <a:latin typeface="+mn-lt"/>
+                <a:ea typeface="+mn-ea"/>
+                <a:cs typeface="+mn-cs"/>
+              </a:rPr>
+              <a:t>serveles</a:t>
+            </a:r>
+            <a:r>
+              <a:rPr lang="en-US" sz="1200" b="0" i="0" kern="1200" dirty="0">
+                <a:solidFill>
+                  <a:schemeClr val="tx1"/>
+                </a:solidFill>
+                <a:effectLst/>
+                <a:latin typeface="+mn-lt"/>
+                <a:ea typeface="+mn-ea"/>
+                <a:cs typeface="+mn-cs"/>
+              </a:rPr>
+              <a:t> block of code) trigged by the Bot</a:t>
             </a:r>
           </a:p>
           <a:p>
@@ -1867,9 +2448,9 @@
             </a:r>
           </a:p>
           <a:p>
-            <a:pPr marL="171450" indent="-171450">
+            <a:pPr marL="0" indent="0">
               <a:buFontTx/>
-              <a:buChar char="-"/>
+              <a:buNone/>
             </a:pPr>
             <a:r>
               <a:rPr lang="en-US" sz="1200" b="0" i="0" kern="1200" dirty="0">
@@ -1881,43 +2462,7 @@
                 <a:ea typeface="+mn-ea"/>
                 <a:cs typeface="+mn-cs"/>
               </a:rPr>
-              <a:t>Emulators</a:t>
-            </a:r>
-          </a:p>
-          <a:p>
-            <a:pPr marL="171450" indent="-171450">
-              <a:buFontTx/>
-              <a:buChar char="-"/>
-            </a:pPr>
-            <a:r>
-              <a:rPr lang="en-US" sz="1200" b="0" i="0" kern="1200" dirty="0">
-                <a:solidFill>
-                  <a:schemeClr val="tx1"/>
-                </a:solidFill>
-                <a:effectLst/>
-                <a:latin typeface="+mn-lt"/>
-                <a:ea typeface="+mn-ea"/>
-                <a:cs typeface="+mn-cs"/>
-              </a:rPr>
-              <a:t>Web Test</a:t>
-            </a:r>
-          </a:p>
-          <a:p>
-            <a:pPr marL="171450" indent="-171450">
-              <a:buFontTx/>
-              <a:buChar char="-"/>
-            </a:pPr>
-            <a:r>
-              <a:rPr lang="en-US" sz="1200" b="0" i="0" kern="1200" dirty="0">
-                <a:solidFill>
-                  <a:schemeClr val="tx1"/>
-                </a:solidFill>
-                <a:effectLst/>
-                <a:latin typeface="+mn-lt"/>
-                <a:ea typeface="+mn-ea"/>
-                <a:cs typeface="+mn-cs"/>
-              </a:rPr>
-              <a:t>Device</a:t>
+              <a:t>- SDK to automated test, Emulators, Web Test, Device</a:t>
             </a:r>
           </a:p>
           <a:p>
@@ -1953,13 +2498,13 @@
                 <a:ea typeface="+mn-ea"/>
                 <a:cs typeface="+mn-cs"/>
               </a:rPr>
-              <a:t>Functions</a:t>
-            </a:r>
-          </a:p>
-          <a:p>
-            <a:pPr marL="0" indent="0">
+              <a:t>Approved by Amazon, this process can take a couple of days </a:t>
+            </a:r>
+          </a:p>
+          <a:p>
+            <a:pPr marL="171450" indent="-171450">
               <a:buFontTx/>
-              <a:buNone/>
+              <a:buChar char="-"/>
             </a:pPr>
             <a:r>
               <a:rPr lang="en-US" sz="1200" b="0" i="0" kern="1200" dirty="0">
@@ -1971,13 +2516,13 @@
                 <a:ea typeface="+mn-ea"/>
                 <a:cs typeface="+mn-cs"/>
               </a:rPr>
-              <a:t>Connect:</a:t>
-            </a:r>
-          </a:p>
-          <a:p>
-            <a:pPr marL="171450" indent="-171450">
+              <a:t>Deploy directly to the device just need to register the device in your developer account</a:t>
+            </a:r>
+          </a:p>
+          <a:p>
+            <a:pPr marL="0" indent="0">
               <a:buFontTx/>
-              <a:buChar char="-"/>
+              <a:buNone/>
             </a:pPr>
             <a:r>
               <a:rPr lang="en-AU" sz="1200" b="0" i="0" kern="1200" dirty="0">
@@ -1989,10 +2534,16 @@
                 <a:ea typeface="+mn-ea"/>
                 <a:cs typeface="+mn-cs"/>
               </a:rPr>
-              <a:t>Facebook, Messenger, Kik, Skype, Slack, Microsoft Teams, Telegram, text/SMS, Twilio, Skype and </a:t>
-            </a:r>
-            <a:r>
-              <a:rPr lang="en-AU" sz="1200" b="1" i="0" kern="1200" dirty="0">
+              <a:t>Evaluate:</a:t>
+            </a:r>
+          </a:p>
+          <a:p>
+            <a:pPr marL="171450" indent="-171450">
+              <a:buFontTx/>
+              <a:buChar char="-"/>
+            </a:pPr>
+            <a:r>
+              <a:rPr lang="en-AU" sz="1200" b="0" i="0" kern="1200" dirty="0">
                 <a:solidFill>
                   <a:schemeClr val="tx1"/>
                 </a:solidFill>
@@ -2001,16 +2552,16 @@
                 <a:ea typeface="+mn-ea"/>
                 <a:cs typeface="+mn-cs"/>
               </a:rPr>
-              <a:t>Cortana</a:t>
-            </a:r>
-          </a:p>
-          <a:p>
-            <a:pPr marL="0" indent="0">
+              <a:t>Monitoring with AppInsights</a:t>
+            </a:r>
+          </a:p>
+          <a:p>
+            <a:pPr marL="171450" indent="-171450">
               <a:buFontTx/>
-              <a:buNone/>
+              <a:buChar char="-"/>
             </a:pPr>
             <a:r>
-              <a:rPr lang="en-AU" sz="1200" b="0" i="0" kern="1200" dirty="0">
+              <a:rPr lang="en-AU" sz="1200" kern="1200" dirty="0" err="1">
                 <a:solidFill>
                   <a:schemeClr val="tx1"/>
                 </a:solidFill>
@@ -2019,16 +2570,10 @@
                 <a:ea typeface="+mn-ea"/>
                 <a:cs typeface="+mn-cs"/>
               </a:rPr>
-              <a:t>Evaluate</a:t>
-            </a:r>
-          </a:p>
-          <a:p>
-            <a:pPr marL="0" indent="0">
-              <a:buFontTx/>
-              <a:buNone/>
-            </a:pPr>
-            <a:r>
-              <a:rPr lang="en-AU" sz="1200" b="0" i="0" kern="1200" dirty="0">
+              <a:t>Console.Log</a:t>
+            </a:r>
+            <a:r>
+              <a:rPr lang="en-AU" sz="1200" kern="1200" dirty="0">
                 <a:solidFill>
                   <a:schemeClr val="tx1"/>
                 </a:solidFill>
@@ -2037,7 +2582,7 @@
                 <a:ea typeface="+mn-ea"/>
                 <a:cs typeface="+mn-cs"/>
               </a:rPr>
-              <a:t>- Monitoring with AppInsights</a:t>
+              <a:t> and read trace messages on Amazon Console or using Amazon SDK debug locally</a:t>
             </a:r>
             <a:endParaRPr lang="en-US" sz="1200" b="0" i="0" kern="1200" dirty="0">
               <a:solidFill>
@@ -2050,10 +2595,6 @@
             </a:endParaRPr>
           </a:p>
           <a:p>
-            <a:pPr marL="171450" indent="-171450">
-              <a:buFontTx/>
-              <a:buChar char="-"/>
-            </a:pPr>
             <a:endParaRPr lang="en-US" sz="1200" b="0" i="0" kern="1200" dirty="0">
               <a:solidFill>
                 <a:schemeClr val="tx1"/>
@@ -2066,72 +2607,6 @@
           </a:p>
           <a:p>
             <a:r>
-              <a:rPr lang="en-US" sz="1200" b="0" i="0" kern="1200" dirty="0">
-                <a:solidFill>
-                  <a:schemeClr val="tx1"/>
-                </a:solidFill>
-                <a:effectLst/>
-                <a:latin typeface="+mn-lt"/>
-                <a:ea typeface="+mn-ea"/>
-                <a:cs typeface="+mn-cs"/>
-              </a:rPr>
-              <a:t>A bot is an app that users interact with in a conversational way using text, graphics (cards), or speech. It may be a simple question and answer dialog, or a sophisticated bot that allows people to interact with services in an intelligent manner using pattern matching, state tracking and artificial intelligence techniques well-integrated with existing business services. </a:t>
-            </a:r>
-          </a:p>
-          <a:p>
-            <a:endParaRPr lang="en-US" sz="1200" b="0" i="0" kern="1200" dirty="0">
-              <a:solidFill>
-                <a:schemeClr val="tx1"/>
-              </a:solidFill>
-              <a:effectLst/>
-              <a:latin typeface="+mn-lt"/>
-              <a:ea typeface="+mn-ea"/>
-              <a:cs typeface="+mn-cs"/>
-            </a:endParaRPr>
-          </a:p>
-          <a:p>
-            <a:r>
-              <a:rPr lang="en-US" sz="1200" b="0" i="0" kern="1200" dirty="0">
-                <a:solidFill>
-                  <a:schemeClr val="tx1"/>
-                </a:solidFill>
-                <a:effectLst/>
-                <a:latin typeface="+mn-lt"/>
-                <a:ea typeface="+mn-ea"/>
-                <a:cs typeface="+mn-cs"/>
-              </a:rPr>
-              <a:t>Cortana is a speech-enabled channel that can send and receive voice messages in addition to textual conversation. A bot intended to connect to Cortana should be designed for speech as well as text. A Cortana </a:t>
-            </a:r>
-            <a:r>
-              <a:rPr lang="en-US" sz="1200" b="0" i="1" kern="1200" dirty="0">
-                <a:solidFill>
-                  <a:schemeClr val="tx1"/>
-                </a:solidFill>
-                <a:effectLst/>
-                <a:latin typeface="+mn-lt"/>
-                <a:ea typeface="+mn-ea"/>
-                <a:cs typeface="+mn-cs"/>
-              </a:rPr>
-              <a:t>skill</a:t>
-            </a:r>
-            <a:r>
-              <a:rPr lang="en-US" sz="1200" b="0" i="0" kern="1200" dirty="0">
-                <a:solidFill>
-                  <a:schemeClr val="tx1"/>
-                </a:solidFill>
-                <a:effectLst/>
-                <a:latin typeface="+mn-lt"/>
-                <a:ea typeface="+mn-ea"/>
-                <a:cs typeface="+mn-cs"/>
-              </a:rPr>
-              <a:t> is a bot that can be invoked using a Cortana client. Publishing a bot adds the bot to the list of available skills.</a:t>
-            </a:r>
-          </a:p>
-          <a:p>
-            <a:endParaRPr lang="en-AU" dirty="0"/>
-          </a:p>
-          <a:p>
-            <a:r>
               <a:rPr lang="en-AU" dirty="0"/>
               <a:t>References: https://docs.microsoft.com/en-us/azure/bot-service/bot-service-overview-introduction?view=azure-bot-service-3.0</a:t>
             </a:r>
@@ -2155,7 +2630,7 @@
           <a:p>
             <a:fld id="{7A2BE48C-4A00-403F-B3B4-762511959712}" type="slidenum">
               <a:rPr lang="en-AU" smtClean="0"/>
-              <a:t>6</a:t>
+              <a:t>5</a:t>
             </a:fld>
             <a:endParaRPr lang="en-AU"/>
           </a:p>
@@ -2218,16 +2693,66 @@
           <a:bodyPr/>
           <a:lstStyle/>
           <a:p>
+            <a:pPr marL="171450" indent="-171450">
+              <a:buFontTx/>
+              <a:buChar char="-"/>
+            </a:pPr>
             <a:r>
               <a:rPr lang="en-AU" dirty="0"/>
-              <a:t>- https://developer.amazon.com/alexa</a:t>
-            </a:r>
-          </a:p>
-          <a:p>
+              <a:t>Invoke message like “Alexa, Cortana, Google, Siri”</a:t>
+            </a:r>
+          </a:p>
+          <a:p>
+            <a:pPr marL="171450" indent="-171450">
+              <a:buFontTx/>
+              <a:buChar char="-"/>
+            </a:pPr>
             <a:r>
               <a:rPr lang="en-AU" dirty="0"/>
-              <a:t>- https://developer.amazon.com/alexa/console/ask </a:t>
-            </a:r>
+              <a:t>Amazon Echo sends the audio to Alexa </a:t>
+            </a:r>
+            <a:r>
+              <a:rPr lang="en-AU" dirty="0" err="1"/>
+              <a:t>Plataform</a:t>
+            </a:r>
+            <a:r>
+              <a:rPr lang="en-AU" dirty="0"/>
+              <a:t> – located on </a:t>
+            </a:r>
+            <a:r>
+              <a:rPr lang="en-AU" sz="1200" kern="1200" dirty="0">
+                <a:solidFill>
+                  <a:schemeClr val="tx1"/>
+                </a:solidFill>
+                <a:effectLst/>
+                <a:latin typeface="+mn-lt"/>
+                <a:ea typeface="+mn-ea"/>
+                <a:cs typeface="+mn-cs"/>
+              </a:rPr>
+              <a:t>amazon cloud infrastructure.</a:t>
+            </a:r>
+          </a:p>
+          <a:p>
+            <a:pPr marL="171450" indent="-171450">
+              <a:buFontTx/>
+              <a:buChar char="-"/>
+            </a:pPr>
+            <a:r>
+              <a:rPr lang="en-AU" sz="1200" kern="1200" dirty="0">
+                <a:solidFill>
+                  <a:schemeClr val="tx1"/>
+                </a:solidFill>
+                <a:effectLst/>
+                <a:latin typeface="+mn-lt"/>
+                <a:ea typeface="+mn-ea"/>
+                <a:cs typeface="+mn-cs"/>
+              </a:rPr>
+              <a:t>Does the hard work </a:t>
+            </a:r>
+            <a:endParaRPr lang="en-AU" dirty="0"/>
+          </a:p>
+          <a:p>
+            <a:endParaRPr lang="en-AU" dirty="0"/>
           </a:p>
         </p:txBody>
       </p:sp>
@@ -2248,7 +2773,7 @@
           <a:p>
             <a:fld id="{7A2BE48C-4A00-403F-B3B4-762511959712}" type="slidenum">
               <a:rPr lang="en-AU" smtClean="0"/>
-              <a:t>7</a:t>
+              <a:t>6</a:t>
             </a:fld>
             <a:endParaRPr lang="en-AU"/>
           </a:p>
@@ -2257,7 +2782,7 @@
     </p:spTree>
     <p:extLst>
       <p:ext uri="{BB962C8B-B14F-4D97-AF65-F5344CB8AC3E}">
-        <p14:creationId xmlns:p14="http://schemas.microsoft.com/office/powerpoint/2010/main" val="2325695827"/>
+        <p14:creationId xmlns:p14="http://schemas.microsoft.com/office/powerpoint/2010/main" val="1442533655"/>
       </p:ext>
     </p:extLst>
   </p:cSld>
@@ -2317,14 +2842,43 @@
             </a:pPr>
             <a:r>
               <a:rPr lang="en-AU" dirty="0"/>
-              <a:t>https://developer.amazon.com/docs/smapi/quick-start-alexa-skills-kit-command-line-interface.html</a:t>
-            </a:r>
-          </a:p>
-          <a:p>
-            <a:pPr marL="171450" indent="-171450">
+              <a:t>ask </a:t>
+            </a:r>
+            <a:r>
+              <a:rPr lang="en-AU" dirty="0" err="1"/>
+              <a:t>init</a:t>
+            </a:r>
+            <a:r>
+              <a:rPr lang="en-AU" dirty="0"/>
+              <a:t> to connect your local environment to your amazon account</a:t>
+            </a:r>
+          </a:p>
+          <a:p>
+            <a:pPr marL="171450" marR="0" lvl="0" indent="-171450" algn="l" defTabSz="914400" rtl="0" eaLnBrk="1" fontAlgn="auto" latinLnBrk="0" hangingPunct="1">
+              <a:lnSpc>
+                <a:spcPct val="100000"/>
+              </a:lnSpc>
+              <a:spcBef>
+                <a:spcPts val="0"/>
+              </a:spcBef>
+              <a:spcAft>
+                <a:spcPts val="0"/>
+              </a:spcAft>
+              <a:buClrTx/>
+              <a:buSzTx/>
               <a:buFontTx/>
               <a:buChar char="-"/>
+              <a:tabLst/>
+              <a:defRPr/>
             </a:pPr>
+            <a:r>
+              <a:rPr lang="en-AU" dirty="0"/>
+              <a:t>ask new to scaffolding the </a:t>
+            </a:r>
+            <a:r>
+              <a:rPr lang="en-AU" dirty="0" err="1"/>
+              <a:t>soultion</a:t>
+            </a:r>
             <a:endParaRPr lang="en-AU" dirty="0"/>
           </a:p>
           <a:p>
@@ -2502,7 +3056,7 @@
             </a:pPr>
             <a:r>
               <a:rPr lang="en-AU" dirty="0"/>
-              <a:t>https://developer.amazon.com/alexa/console/</a:t>
+              <a:t>https://developer.amazon.com/alexa/console/ask</a:t>
             </a:r>
           </a:p>
           <a:p>
@@ -2655,20 +3209,27 @@
                 <a:ea typeface="+mn-ea"/>
                 <a:cs typeface="+mn-cs"/>
               </a:rPr>
-              <a:t>Debugging, monitor </a:t>
-            </a:r>
-            <a:r>
-              <a:rPr lang="en-AU" sz="1200" b="0" kern="1200">
-                <a:solidFill>
-                  <a:schemeClr val="tx1"/>
-                </a:solidFill>
-                <a:effectLst/>
-                <a:latin typeface="+mn-lt"/>
-                <a:ea typeface="+mn-ea"/>
-                <a:cs typeface="+mn-cs"/>
-              </a:rPr>
-              <a:t>and login</a:t>
-            </a:r>
+              <a:t>Debugging, monitor and login</a:t>
+            </a:r>
+          </a:p>
+          <a:p>
+            <a:pPr marL="0" marR="0" lvl="0" indent="0" algn="l" defTabSz="914400" rtl="0" eaLnBrk="1" fontAlgn="auto" latinLnBrk="0" hangingPunct="1">
+              <a:lnSpc>
+                <a:spcPct val="100000"/>
+              </a:lnSpc>
+              <a:spcBef>
+                <a:spcPts val="0"/>
+              </a:spcBef>
+              <a:spcAft>
+                <a:spcPts val="0"/>
+              </a:spcAft>
+              <a:buClrTx/>
+              <a:buSzTx/>
+              <a:buFontTx/>
+              <a:buNone/>
+              <a:tabLst/>
+              <a:defRPr/>
+            </a:pPr>
             <a:endParaRPr lang="en-AU" sz="1200" b="0" kern="1200" dirty="0">
               <a:solidFill>
                 <a:schemeClr val="tx1"/>
@@ -2680,9 +3241,63 @@
             </a:endParaRPr>
           </a:p>
           <a:p>
-            <a:pPr marL="171450" lvl="0" indent="-171450">
+            <a:pPr marL="0" marR="0" lvl="0" indent="0" algn="l" defTabSz="914400" rtl="0" eaLnBrk="1" fontAlgn="auto" latinLnBrk="0" hangingPunct="1">
+              <a:lnSpc>
+                <a:spcPct val="100000"/>
+              </a:lnSpc>
+              <a:spcBef>
+                <a:spcPts val="0"/>
+              </a:spcBef>
+              <a:spcAft>
+                <a:spcPts val="0"/>
+              </a:spcAft>
+              <a:buClrTx/>
+              <a:buSzTx/>
+              <a:buFontTx/>
+              <a:buNone/>
+              <a:tabLst/>
+              <a:defRPr/>
+            </a:pPr>
+            <a:r>
+              <a:rPr lang="en-AU" sz="1200" b="0" kern="1200" dirty="0">
+                <a:solidFill>
+                  <a:schemeClr val="tx1"/>
+                </a:solidFill>
+                <a:effectLst/>
+                <a:latin typeface="+mn-lt"/>
+                <a:ea typeface="+mn-ea"/>
+                <a:cs typeface="+mn-cs"/>
+              </a:rPr>
+              <a:t>References:</a:t>
+            </a:r>
+          </a:p>
+          <a:p>
+            <a:pPr marL="171450" marR="0" lvl="0" indent="-171450" algn="l" defTabSz="914400" rtl="0" eaLnBrk="1" fontAlgn="auto" latinLnBrk="0" hangingPunct="1">
+              <a:lnSpc>
+                <a:spcPct val="100000"/>
+              </a:lnSpc>
+              <a:spcBef>
+                <a:spcPts val="0"/>
+              </a:spcBef>
+              <a:spcAft>
+                <a:spcPts val="0"/>
+              </a:spcAft>
+              <a:buClrTx/>
+              <a:buSzTx/>
               <a:buFontTx/>
               <a:buChar char="-"/>
+              <a:tabLst/>
+              <a:defRPr/>
+            </a:pPr>
+            <a:r>
+              <a:rPr lang="en-AU" dirty="0"/>
+              <a:t>https://developer.amazon.com/docs/smapi/quick-start-alexa-skills-kit-command-line-interface.html</a:t>
+            </a:r>
+          </a:p>
+          <a:p>
+            <a:pPr marL="0" lvl="0" indent="0">
+              <a:buFontTx/>
+              <a:buNone/>
             </a:pPr>
             <a:endParaRPr lang="en-AU" dirty="0"/>
           </a:p>
@@ -2705,7 +3320,7 @@
           <a:p>
             <a:fld id="{7A2BE48C-4A00-403F-B3B4-762511959712}" type="slidenum">
               <a:rPr lang="en-AU" smtClean="0"/>
-              <a:t>8</a:t>
+              <a:t>7</a:t>
             </a:fld>
             <a:endParaRPr lang="en-AU"/>
           </a:p>
@@ -2793,7 +3408,7 @@
           <a:p>
             <a:fld id="{7A2BE48C-4A00-403F-B3B4-762511959712}" type="slidenum">
               <a:rPr lang="en-AU" smtClean="0"/>
-              <a:t>9</a:t>
+              <a:t>8</a:t>
             </a:fld>
             <a:endParaRPr lang="en-AU"/>
           </a:p>
@@ -2803,6 +3418,211 @@
     <p:extLst>
       <p:ext uri="{BB962C8B-B14F-4D97-AF65-F5344CB8AC3E}">
         <p14:creationId xmlns:p14="http://schemas.microsoft.com/office/powerpoint/2010/main" val="1897334997"/>
+      </p:ext>
+    </p:extLst>
+  </p:cSld>
+  <p:clrMapOvr>
+    <a:masterClrMapping/>
+  </p:clrMapOvr>
+</p:notes>
+</file>
+
+<file path=ppt/notesSlides/notesSlide9.xml><?xml version="1.0" encoding="utf-8"?>
+<p:notes xmlns:a="http://schemas.openxmlformats.org/drawingml/2006/main" xmlns:r="http://schemas.openxmlformats.org/officeDocument/2006/relationships" xmlns:p="http://schemas.openxmlformats.org/presentationml/2006/main">
+  <p:cSld>
+    <p:spTree>
+      <p:nvGrpSpPr>
+        <p:cNvPr id="1" name=""/>
+        <p:cNvGrpSpPr/>
+        <p:nvPr/>
+      </p:nvGrpSpPr>
+      <p:grpSpPr>
+        <a:xfrm>
+          <a:off x="0" y="0"/>
+          <a:ext cx="0" cy="0"/>
+          <a:chOff x="0" y="0"/>
+          <a:chExt cx="0" cy="0"/>
+        </a:xfrm>
+      </p:grpSpPr>
+      <p:sp>
+        <p:nvSpPr>
+          <p:cNvPr id="2" name="Slide Image Placeholder 1"/>
+          <p:cNvSpPr>
+            <a:spLocks noGrp="1" noRot="1" noChangeAspect="1"/>
+          </p:cNvSpPr>
+          <p:nvPr>
+            <p:ph type="sldImg"/>
+          </p:nvPr>
+        </p:nvSpPr>
+        <p:spPr/>
+      </p:sp>
+      <p:sp>
+        <p:nvSpPr>
+          <p:cNvPr id="3" name="Notes Placeholder 2"/>
+          <p:cNvSpPr>
+            <a:spLocks noGrp="1"/>
+          </p:cNvSpPr>
+          <p:nvPr>
+            <p:ph type="body" idx="1"/>
+          </p:nvPr>
+        </p:nvSpPr>
+        <p:spPr/>
+        <p:txBody>
+          <a:bodyPr/>
+          <a:lstStyle/>
+          <a:p>
+            <a:pPr marL="171450" indent="-171450">
+              <a:buFontTx/>
+              <a:buChar char="-"/>
+            </a:pPr>
+            <a:r>
+              <a:rPr lang="en-AU" sz="1200" kern="1200" dirty="0">
+                <a:solidFill>
+                  <a:schemeClr val="tx1"/>
+                </a:solidFill>
+                <a:effectLst/>
+                <a:latin typeface="+mn-lt"/>
+                <a:ea typeface="+mn-ea"/>
+                <a:cs typeface="+mn-cs"/>
+              </a:rPr>
+              <a:t>According with some research chatbot will be </a:t>
+            </a:r>
+            <a:r>
+              <a:rPr lang="en-AU" sz="1200" b="1" kern="1200" dirty="0">
+                <a:solidFill>
+                  <a:schemeClr val="tx1"/>
+                </a:solidFill>
+                <a:effectLst/>
+                <a:latin typeface="+mn-lt"/>
+                <a:ea typeface="+mn-ea"/>
+                <a:cs typeface="+mn-cs"/>
+              </a:rPr>
+              <a:t>indistinguishable from humans by 2029</a:t>
+            </a:r>
+            <a:r>
+              <a:rPr lang="en-AU" sz="1200" kern="1200" dirty="0">
+                <a:solidFill>
+                  <a:schemeClr val="tx1"/>
+                </a:solidFill>
+                <a:effectLst/>
+                <a:latin typeface="+mn-lt"/>
+                <a:ea typeface="+mn-ea"/>
+                <a:cs typeface="+mn-cs"/>
+              </a:rPr>
+              <a:t> </a:t>
+            </a:r>
+          </a:p>
+          <a:p>
+            <a:pPr marL="171450" indent="-171450">
+              <a:buFontTx/>
+              <a:buChar char="-"/>
+            </a:pPr>
+            <a:r>
+              <a:rPr lang="en-AU" sz="1200" b="1" kern="1200" dirty="0">
+                <a:solidFill>
+                  <a:schemeClr val="tx1"/>
+                </a:solidFill>
+                <a:effectLst/>
+                <a:latin typeface="+mn-lt"/>
+                <a:ea typeface="+mn-ea"/>
+                <a:cs typeface="+mn-cs"/>
+              </a:rPr>
+              <a:t>live together with</a:t>
+            </a:r>
+            <a:r>
+              <a:rPr lang="en-AU" sz="1200" kern="1200" dirty="0">
+                <a:solidFill>
+                  <a:schemeClr val="tx1"/>
+                </a:solidFill>
+                <a:effectLst/>
+                <a:latin typeface="+mn-lt"/>
+                <a:ea typeface="+mn-ea"/>
+                <a:cs typeface="+mn-cs"/>
+              </a:rPr>
+              <a:t> some answers out of context </a:t>
+            </a:r>
+          </a:p>
+          <a:p>
+            <a:pPr marL="171450" indent="-171450">
+              <a:buFontTx/>
+              <a:buChar char="-"/>
+            </a:pPr>
+            <a:r>
+              <a:rPr lang="en-AU" sz="1200" kern="1200" dirty="0">
+                <a:solidFill>
+                  <a:schemeClr val="tx1"/>
+                </a:solidFill>
+                <a:effectLst/>
+                <a:latin typeface="+mn-lt"/>
+                <a:ea typeface="+mn-ea"/>
+                <a:cs typeface="+mn-cs"/>
+              </a:rPr>
+              <a:t>““Human queries assume a respondent understands context, which chatbots currently lack today. Animals, however, pick up on context queues by combining sense systems together, such as speech and vision. Companies should develop models that encourage cross-modal integration to create more adaptive, human-like chatbots.” In the other words, we need more data to analyse to answer more accurate queries. ”</a:t>
+            </a:r>
+            <a:endParaRPr lang="en-AU" dirty="0"/>
+          </a:p>
+          <a:p>
+            <a:pPr marL="0" indent="0">
+              <a:buFontTx/>
+              <a:buNone/>
+            </a:pPr>
+            <a:r>
+              <a:rPr lang="en-AU" dirty="0"/>
+              <a:t>References:</a:t>
+            </a:r>
+          </a:p>
+          <a:p>
+            <a:pPr marL="0" indent="0">
+              <a:buFontTx/>
+              <a:buNone/>
+            </a:pPr>
+            <a:r>
+              <a:rPr lang="en-AU" dirty="0"/>
+              <a:t>https://www.cio.com/article/3149087/artificial-intelligence/how-chatbots-like-siri-will-get-smarter.html</a:t>
+            </a:r>
+          </a:p>
+          <a:p>
+            <a:pPr marL="0" indent="0">
+              <a:buFontTx/>
+              <a:buNone/>
+            </a:pPr>
+            <a:r>
+              <a:rPr lang="en-AU"/>
+              <a:t>https://medium.com/marketing-and-entrepreneurship/11-amazing-facts-you-might-not-know-about-chatbots-8cdf331181f8</a:t>
+            </a:r>
+          </a:p>
+          <a:p>
+            <a:endParaRPr lang="en-AU"/>
+          </a:p>
+        </p:txBody>
+      </p:sp>
+      <p:sp>
+        <p:nvSpPr>
+          <p:cNvPr id="4" name="Slide Number Placeholder 3"/>
+          <p:cNvSpPr>
+            <a:spLocks noGrp="1"/>
+          </p:cNvSpPr>
+          <p:nvPr>
+            <p:ph type="sldNum" sz="quarter" idx="10"/>
+          </p:nvPr>
+        </p:nvSpPr>
+        <p:spPr/>
+        <p:txBody>
+          <a:bodyPr/>
+          <a:lstStyle/>
+          <a:p>
+            <a:fld id="{7A2BE48C-4A00-403F-B3B4-762511959712}" type="slidenum">
+              <a:rPr lang="en-AU" smtClean="0"/>
+              <a:t>9</a:t>
+            </a:fld>
+            <a:endParaRPr lang="en-AU"/>
+          </a:p>
+        </p:txBody>
+      </p:sp>
+    </p:spTree>
+    <p:extLst>
+      <p:ext uri="{BB962C8B-B14F-4D97-AF65-F5344CB8AC3E}">
+        <p14:creationId xmlns:p14="http://schemas.microsoft.com/office/powerpoint/2010/main" val="2469068053"/>
       </p:ext>
     </p:extLst>
   </p:cSld>
@@ -2961,7 +3781,7 @@
           <a:p>
             <a:fld id="{A1C9F8B6-CAD5-493B-A17F-C35F3667CF5A}" type="datetimeFigureOut">
               <a:rPr lang="en-AU" smtClean="0"/>
-              <a:t>31/07/2018</a:t>
+              <a:t>1/08/2018</a:t>
             </a:fld>
             <a:endParaRPr lang="en-AU"/>
           </a:p>
@@ -3161,7 +3981,7 @@
           <a:p>
             <a:fld id="{A1C9F8B6-CAD5-493B-A17F-C35F3667CF5A}" type="datetimeFigureOut">
               <a:rPr lang="en-AU" smtClean="0"/>
-              <a:t>31/07/2018</a:t>
+              <a:t>1/08/2018</a:t>
             </a:fld>
             <a:endParaRPr lang="en-AU"/>
           </a:p>
@@ -3371,7 +4191,7 @@
           <a:p>
             <a:fld id="{A1C9F8B6-CAD5-493B-A17F-C35F3667CF5A}" type="datetimeFigureOut">
               <a:rPr lang="en-AU" smtClean="0"/>
-              <a:t>31/07/2018</a:t>
+              <a:t>1/08/2018</a:t>
             </a:fld>
             <a:endParaRPr lang="en-AU"/>
           </a:p>
@@ -3571,7 +4391,7 @@
           <a:p>
             <a:fld id="{A1C9F8B6-CAD5-493B-A17F-C35F3667CF5A}" type="datetimeFigureOut">
               <a:rPr lang="en-AU" smtClean="0"/>
-              <a:t>31/07/2018</a:t>
+              <a:t>1/08/2018</a:t>
             </a:fld>
             <a:endParaRPr lang="en-AU"/>
           </a:p>
@@ -3847,7 +4667,7 @@
           <a:p>
             <a:fld id="{A1C9F8B6-CAD5-493B-A17F-C35F3667CF5A}" type="datetimeFigureOut">
               <a:rPr lang="en-AU" smtClean="0"/>
-              <a:t>31/07/2018</a:t>
+              <a:t>1/08/2018</a:t>
             </a:fld>
             <a:endParaRPr lang="en-AU"/>
           </a:p>
@@ -4115,7 +4935,7 @@
           <a:p>
             <a:fld id="{A1C9F8B6-CAD5-493B-A17F-C35F3667CF5A}" type="datetimeFigureOut">
               <a:rPr lang="en-AU" smtClean="0"/>
-              <a:t>31/07/2018</a:t>
+              <a:t>1/08/2018</a:t>
             </a:fld>
             <a:endParaRPr lang="en-AU"/>
           </a:p>
@@ -4530,7 +5350,7 @@
           <a:p>
             <a:fld id="{A1C9F8B6-CAD5-493B-A17F-C35F3667CF5A}" type="datetimeFigureOut">
               <a:rPr lang="en-AU" smtClean="0"/>
-              <a:t>31/07/2018</a:t>
+              <a:t>1/08/2018</a:t>
             </a:fld>
             <a:endParaRPr lang="en-AU"/>
           </a:p>
@@ -4672,7 +5492,7 @@
           <a:p>
             <a:fld id="{A1C9F8B6-CAD5-493B-A17F-C35F3667CF5A}" type="datetimeFigureOut">
               <a:rPr lang="en-AU" smtClean="0"/>
-              <a:t>31/07/2018</a:t>
+              <a:t>1/08/2018</a:t>
             </a:fld>
             <a:endParaRPr lang="en-AU"/>
           </a:p>
@@ -4785,7 +5605,7 @@
           <a:p>
             <a:fld id="{A1C9F8B6-CAD5-493B-A17F-C35F3667CF5A}" type="datetimeFigureOut">
               <a:rPr lang="en-AU" smtClean="0"/>
-              <a:t>31/07/2018</a:t>
+              <a:t>1/08/2018</a:t>
             </a:fld>
             <a:endParaRPr lang="en-AU"/>
           </a:p>
@@ -5098,7 +5918,7 @@
           <a:p>
             <a:fld id="{A1C9F8B6-CAD5-493B-A17F-C35F3667CF5A}" type="datetimeFigureOut">
               <a:rPr lang="en-AU" smtClean="0"/>
-              <a:t>31/07/2018</a:t>
+              <a:t>1/08/2018</a:t>
             </a:fld>
             <a:endParaRPr lang="en-AU"/>
           </a:p>
@@ -5387,7 +6207,7 @@
           <a:p>
             <a:fld id="{A1C9F8B6-CAD5-493B-A17F-C35F3667CF5A}" type="datetimeFigureOut">
               <a:rPr lang="en-AU" smtClean="0"/>
-              <a:t>31/07/2018</a:t>
+              <a:t>1/08/2018</a:t>
             </a:fld>
             <a:endParaRPr lang="en-AU"/>
           </a:p>
@@ -5630,7 +6450,7 @@
           <a:p>
             <a:fld id="{A1C9F8B6-CAD5-493B-A17F-C35F3667CF5A}" type="datetimeFigureOut">
               <a:rPr lang="en-AU" smtClean="0"/>
-              <a:t>31/07/2018</a:t>
+              <a:t>1/08/2018</a:t>
             </a:fld>
             <a:endParaRPr lang="en-AU"/>
           </a:p>
@@ -6058,161 +6878,35 @@
           <a:chExt cx="0" cy="0"/>
         </a:xfrm>
       </p:grpSpPr>
-      <p:grpSp>
-        <p:nvGrpSpPr>
-          <p:cNvPr id="8" name="Group 7">
-            <a:extLst>
-              <a:ext uri="{FF2B5EF4-FFF2-40B4-BE49-F238E27FC236}">
-                <a16:creationId xmlns:a16="http://schemas.microsoft.com/office/drawing/2014/main" id="{D2C4BFA1-2075-4901-9E24-E41D1FDD51FD}"/>
-              </a:ext>
-              <a:ext uri="{C183D7F6-B498-43B3-948B-1728B52AA6E4}">
-                <adec:decorative xmlns:adec="http://schemas.microsoft.com/office/drawing/2017/decorative" val="1"/>
-              </a:ext>
-            </a:extLst>
-          </p:cNvPr>
-          <p:cNvGrpSpPr>
-            <a:grpSpLocks noGrp="1" noUngrp="1" noRot="1" noChangeAspect="1" noMove="1" noResize="1"/>
-          </p:cNvGrpSpPr>
-          <p:nvPr>
-            <p:extLst>
-              <p:ext uri="{386F3935-93C4-4BCD-93E2-E3B085C9AB24}">
-                <p16:designElem xmlns:p16="http://schemas.microsoft.com/office/powerpoint/2015/main" val="1"/>
-              </p:ext>
-            </p:extLst>
-          </p:nvPr>
-        </p:nvGrpSpPr>
-        <p:grpSpPr>
-          <a:xfrm>
-            <a:off x="1155481" y="498348"/>
-            <a:ext cx="9902663" cy="5861304"/>
-            <a:chOff x="1155481" y="498348"/>
-            <a:chExt cx="9902663" cy="5861304"/>
-          </a:xfrm>
-        </p:grpSpPr>
-        <p:sp>
-          <p:nvSpPr>
-            <p:cNvPr id="9" name="Oval 5">
-              <a:extLst>
-                <a:ext uri="{FF2B5EF4-FFF2-40B4-BE49-F238E27FC236}">
-                  <a16:creationId xmlns:a16="http://schemas.microsoft.com/office/drawing/2014/main" id="{985A7375-E3AF-4F5C-85AE-17E8832952CA}"/>
-                </a:ext>
-                <a:ext uri="{C183D7F6-B498-43B3-948B-1728B52AA6E4}">
-                  <adec:decorative xmlns:adec="http://schemas.microsoft.com/office/drawing/2017/decorative" val="1"/>
-                </a:ext>
-              </a:extLst>
-            </p:cNvPr>
-            <p:cNvSpPr>
-              <a:spLocks noChangeArrowheads="1"/>
-            </p:cNvSpPr>
-            <p:nvPr>
-              <p:extLst>
-                <p:ext uri="{386F3935-93C4-4BCD-93E2-E3B085C9AB24}">
-                  <p16:designElem xmlns:p16="http://schemas.microsoft.com/office/powerpoint/2015/main" val="1"/>
-                </p:ext>
-              </p:extLst>
-            </p:nvPr>
-          </p:nvSpPr>
-          <p:spPr bwMode="auto">
-            <a:xfrm>
-              <a:off x="1155481" y="498348"/>
-              <a:ext cx="5861304" cy="5861304"/>
-            </a:xfrm>
-            <a:prstGeom prst="ellipse">
-              <a:avLst/>
-            </a:prstGeom>
-            <a:solidFill>
-              <a:schemeClr val="accent1">
-                <a:alpha val="55000"/>
-              </a:schemeClr>
-            </a:solidFill>
-            <a:ln>
-              <a:noFill/>
-            </a:ln>
-          </p:spPr>
-        </p:sp>
-        <p:sp>
-          <p:nvSpPr>
-            <p:cNvPr id="10" name="Oval 9">
-              <a:extLst>
-                <a:ext uri="{FF2B5EF4-FFF2-40B4-BE49-F238E27FC236}">
-                  <a16:creationId xmlns:a16="http://schemas.microsoft.com/office/drawing/2014/main" id="{F0307F65-8304-4FA8-A841-D4D7625411BE}"/>
-                </a:ext>
-                <a:ext uri="{C183D7F6-B498-43B3-948B-1728B52AA6E4}">
-                  <adec:decorative xmlns:adec="http://schemas.microsoft.com/office/drawing/2017/decorative" val="1"/>
-                </a:ext>
-              </a:extLst>
-            </p:cNvPr>
-            <p:cNvSpPr>
-              <a:spLocks noChangeArrowheads="1"/>
-            </p:cNvSpPr>
-            <p:nvPr>
-              <p:extLst>
-                <p:ext uri="{386F3935-93C4-4BCD-93E2-E3B085C9AB24}">
-                  <p16:designElem xmlns:p16="http://schemas.microsoft.com/office/powerpoint/2015/main" val="1"/>
-                </p:ext>
-              </p:extLst>
-            </p:nvPr>
-          </p:nvSpPr>
-          <p:spPr bwMode="auto">
-            <a:xfrm>
-              <a:off x="5196840" y="498348"/>
-              <a:ext cx="5861304" cy="5861304"/>
-            </a:xfrm>
-            <a:prstGeom prst="ellipse">
-              <a:avLst/>
-            </a:prstGeom>
-            <a:solidFill>
-              <a:schemeClr val="accent1">
-                <a:alpha val="55000"/>
-              </a:schemeClr>
-            </a:solidFill>
-            <a:ln>
-              <a:noFill/>
-            </a:ln>
-          </p:spPr>
-        </p:sp>
-        <p:sp>
-          <p:nvSpPr>
-            <p:cNvPr id="11" name="Oval 5">
-              <a:extLst>
-                <a:ext uri="{FF2B5EF4-FFF2-40B4-BE49-F238E27FC236}">
-                  <a16:creationId xmlns:a16="http://schemas.microsoft.com/office/drawing/2014/main" id="{C8B8394C-136F-4E05-A002-D93A5E79CD50}"/>
-                </a:ext>
-                <a:ext uri="{C183D7F6-B498-43B3-948B-1728B52AA6E4}">
-                  <adec:decorative xmlns:adec="http://schemas.microsoft.com/office/drawing/2017/decorative" val="1"/>
-                </a:ext>
-              </a:extLst>
-            </p:cNvPr>
-            <p:cNvSpPr>
-              <a:spLocks noChangeArrowheads="1"/>
-            </p:cNvSpPr>
-            <p:nvPr>
-              <p:extLst>
-                <p:ext uri="{386F3935-93C4-4BCD-93E2-E3B085C9AB24}">
-                  <p16:designElem xmlns:p16="http://schemas.microsoft.com/office/powerpoint/2015/main" val="1"/>
-                </p:ext>
-              </p:extLst>
-            </p:nvPr>
-          </p:nvSpPr>
-          <p:spPr bwMode="auto">
-            <a:xfrm>
-              <a:off x="3165348" y="498348"/>
-              <a:ext cx="5861304" cy="5861304"/>
-            </a:xfrm>
-            <a:prstGeom prst="ellipse">
-              <a:avLst/>
-            </a:prstGeom>
-            <a:solidFill>
-              <a:schemeClr val="accent1">
-                <a:alpha val="70000"/>
-              </a:schemeClr>
-            </a:solidFill>
-            <a:ln>
-              <a:noFill/>
-            </a:ln>
-          </p:spPr>
-        </p:sp>
-      </p:grpSp>
+      <p:sp>
+        <p:nvSpPr>
+          <p:cNvPr id="2" name="Title 1">
+            <a:extLst>
+              <a:ext uri="{FF2B5EF4-FFF2-40B4-BE49-F238E27FC236}">
+                <a16:creationId xmlns:a16="http://schemas.microsoft.com/office/drawing/2014/main" id="{E2FDEB79-C02F-48E9-AC28-B351975DF8EA}"/>
+              </a:ext>
+            </a:extLst>
+          </p:cNvPr>
+          <p:cNvSpPr>
+            <a:spLocks noGrp="1"/>
+          </p:cNvSpPr>
+          <p:nvPr>
+            <p:ph type="ctrTitle"/>
+          </p:nvPr>
+        </p:nvSpPr>
+        <p:spPr/>
+        <p:txBody>
+          <a:bodyPr/>
+          <a:lstStyle/>
+          <a:p>
+            <a:r>
+              <a:rPr lang="en-AU"/>
+              <a:t>Say “Hello” to Alexa</a:t>
+            </a:r>
+            <a:endParaRPr lang="en-AU" dirty="0"/>
+          </a:p>
+        </p:txBody>
+      </p:sp>
       <p:sp>
         <p:nvSpPr>
           <p:cNvPr id="3" name="Subtitle 2">
@@ -6228,116 +6922,216 @@
           <p:nvPr>
             <p:ph type="subTitle" idx="1"/>
           </p:nvPr>
+        </p:nvSpPr>
+        <p:spPr/>
+        <p:txBody>
+          <a:bodyPr/>
+          <a:lstStyle/>
+          <a:p>
+            <a:r>
+              <a:rPr lang="en-AU"/>
+              <a:t>A.I. ASSISTENT</a:t>
+            </a:r>
+            <a:endParaRPr lang="en-AU" dirty="0"/>
+          </a:p>
+        </p:txBody>
+      </p:sp>
+      <p:sp>
+        <p:nvSpPr>
+          <p:cNvPr id="12" name="Subtitle 2">
+            <a:extLst>
+              <a:ext uri="{FF2B5EF4-FFF2-40B4-BE49-F238E27FC236}">
+                <a16:creationId xmlns:a16="http://schemas.microsoft.com/office/drawing/2014/main" id="{F48063C4-CC41-4E08-8171-3644B63304B2}"/>
+              </a:ext>
+            </a:extLst>
+          </p:cNvPr>
+          <p:cNvSpPr txBox="1">
+            <a:spLocks/>
+          </p:cNvSpPr>
+          <p:nvPr/>
         </p:nvSpPr>
         <p:spPr>
           <a:xfrm>
-            <a:off x="1524000" y="4495800"/>
-            <a:ext cx="9144000" cy="762000"/>
-          </a:xfrm>
-        </p:spPr>
-        <p:txBody>
-          <a:bodyPr>
-            <a:normAutofit/>
-          </a:bodyPr>
-          <a:lstStyle/>
-          <a:p>
-            <a:r>
-              <a:rPr lang="en-AU" sz="1800"/>
-              <a:t>A.I. ASSISTENT</a:t>
-            </a:r>
-          </a:p>
-        </p:txBody>
-      </p:sp>
-      <p:sp>
-        <p:nvSpPr>
-          <p:cNvPr id="13" name="Rectangle 12">
-            <a:extLst>
-              <a:ext uri="{FF2B5EF4-FFF2-40B4-BE49-F238E27FC236}">
-                <a16:creationId xmlns:a16="http://schemas.microsoft.com/office/drawing/2014/main" id="{053FB2EE-284F-4C87-AB3D-BBF87A9FAB97}"/>
-              </a:ext>
-              <a:ext uri="{C183D7F6-B498-43B3-948B-1728B52AA6E4}">
-                <adec:decorative xmlns:adec="http://schemas.microsoft.com/office/drawing/2017/decorative" val="1"/>
-              </a:ext>
-            </a:extLst>
-          </p:cNvPr>
-          <p:cNvSpPr>
-            <a:spLocks noGrp="1" noRot="1" noChangeAspect="1" noMove="1" noResize="1" noEditPoints="1" noAdjustHandles="1" noChangeArrowheads="1" noChangeShapeType="1" noTextEdit="1"/>
-          </p:cNvSpPr>
-          <p:nvPr>
-            <p:extLst>
-              <p:ext uri="{386F3935-93C4-4BCD-93E2-E3B085C9AB24}">
-                <p16:designElem xmlns:p16="http://schemas.microsoft.com/office/powerpoint/2015/main" val="1"/>
-              </p:ext>
-            </p:extLst>
-          </p:nvPr>
-        </p:nvSpPr>
-        <p:spPr>
-          <a:xfrm>
-            <a:off x="0" y="2514600"/>
-            <a:ext cx="12192000" cy="1828800"/>
+            <a:off x="3048000" y="6401308"/>
+            <a:ext cx="9144000" cy="440563"/>
           </a:xfrm>
           <a:prstGeom prst="rect">
             <a:avLst/>
           </a:prstGeom>
-          <a:solidFill>
-            <a:schemeClr val="tx2"/>
-          </a:solidFill>
-          <a:ln>
-            <a:noFill/>
-          </a:ln>
         </p:spPr>
-        <p:style>
-          <a:lnRef idx="2">
-            <a:schemeClr val="accent1">
-              <a:shade val="50000"/>
-            </a:schemeClr>
-          </a:lnRef>
-          <a:fillRef idx="1">
-            <a:schemeClr val="accent1"/>
-          </a:fillRef>
-          <a:effectRef idx="0">
-            <a:schemeClr val="accent1"/>
-          </a:effectRef>
-          <a:fontRef idx="minor">
-            <a:schemeClr val="lt1"/>
-          </a:fontRef>
-        </p:style>
-      </p:sp>
-      <p:sp>
-        <p:nvSpPr>
-          <p:cNvPr id="2" name="Title 1">
-            <a:extLst>
-              <a:ext uri="{FF2B5EF4-FFF2-40B4-BE49-F238E27FC236}">
-                <a16:creationId xmlns:a16="http://schemas.microsoft.com/office/drawing/2014/main" id="{E2FDEB79-C02F-48E9-AC28-B351975DF8EA}"/>
-              </a:ext>
-            </a:extLst>
-          </p:cNvPr>
-          <p:cNvSpPr>
-            <a:spLocks noGrp="1"/>
-          </p:cNvSpPr>
-          <p:nvPr>
-            <p:ph type="ctrTitle"/>
-          </p:nvPr>
-        </p:nvSpPr>
-        <p:spPr>
-          <a:xfrm>
-            <a:off x="1524000" y="2776538"/>
-            <a:ext cx="9144000" cy="1381188"/>
-          </a:xfrm>
-        </p:spPr>
-        <p:txBody>
-          <a:bodyPr anchor="ctr">
+        <p:txBody>
+          <a:bodyPr vert="horz" lIns="91440" tIns="45720" rIns="91440" bIns="45720" rtlCol="0">
             <a:normAutofit/>
           </a:bodyPr>
-          <a:lstStyle/>
-          <a:p>
-            <a:r>
-              <a:rPr lang="en-AU" sz="4000">
-                <a:solidFill>
-                  <a:schemeClr val="bg2"/>
-                </a:solidFill>
-              </a:rPr>
-              <a:t>Say “Hello” to Alexa</a:t>
+          <a:lstStyle>
+            <a:lvl1pPr marL="0" indent="0" algn="ctr" defTabSz="914400" rtl="0" eaLnBrk="1" latinLnBrk="0" hangingPunct="1">
+              <a:lnSpc>
+                <a:spcPct val="90000"/>
+              </a:lnSpc>
+              <a:spcBef>
+                <a:spcPts val="1000"/>
+              </a:spcBef>
+              <a:buFont typeface="Arial" panose="020B0604020202020204" pitchFamily="34" charset="0"/>
+              <a:buNone/>
+              <a:defRPr sz="2400" kern="1200">
+                <a:solidFill>
+                  <a:schemeClr val="tx1"/>
+                </a:solidFill>
+                <a:latin typeface="+mn-lt"/>
+                <a:ea typeface="+mn-ea"/>
+                <a:cs typeface="+mn-cs"/>
+              </a:defRPr>
+            </a:lvl1pPr>
+            <a:lvl2pPr marL="457200" indent="0" algn="ctr" defTabSz="914400" rtl="0" eaLnBrk="1" latinLnBrk="0" hangingPunct="1">
+              <a:lnSpc>
+                <a:spcPct val="90000"/>
+              </a:lnSpc>
+              <a:spcBef>
+                <a:spcPts val="500"/>
+              </a:spcBef>
+              <a:buFont typeface="Arial" panose="020B0604020202020204" pitchFamily="34" charset="0"/>
+              <a:buNone/>
+              <a:defRPr sz="2000" kern="1200">
+                <a:solidFill>
+                  <a:schemeClr val="tx1"/>
+                </a:solidFill>
+                <a:latin typeface="+mn-lt"/>
+                <a:ea typeface="+mn-ea"/>
+                <a:cs typeface="+mn-cs"/>
+              </a:defRPr>
+            </a:lvl2pPr>
+            <a:lvl3pPr marL="914400" indent="0" algn="ctr" defTabSz="914400" rtl="0" eaLnBrk="1" latinLnBrk="0" hangingPunct="1">
+              <a:lnSpc>
+                <a:spcPct val="90000"/>
+              </a:lnSpc>
+              <a:spcBef>
+                <a:spcPts val="500"/>
+              </a:spcBef>
+              <a:buFont typeface="Arial" panose="020B0604020202020204" pitchFamily="34" charset="0"/>
+              <a:buNone/>
+              <a:defRPr sz="1800" kern="1200">
+                <a:solidFill>
+                  <a:schemeClr val="tx1"/>
+                </a:solidFill>
+                <a:latin typeface="+mn-lt"/>
+                <a:ea typeface="+mn-ea"/>
+                <a:cs typeface="+mn-cs"/>
+              </a:defRPr>
+            </a:lvl3pPr>
+            <a:lvl4pPr marL="1371600" indent="0" algn="ctr" defTabSz="914400" rtl="0" eaLnBrk="1" latinLnBrk="0" hangingPunct="1">
+              <a:lnSpc>
+                <a:spcPct val="90000"/>
+              </a:lnSpc>
+              <a:spcBef>
+                <a:spcPts val="500"/>
+              </a:spcBef>
+              <a:buFont typeface="Arial" panose="020B0604020202020204" pitchFamily="34" charset="0"/>
+              <a:buNone/>
+              <a:defRPr sz="1600" kern="1200">
+                <a:solidFill>
+                  <a:schemeClr val="tx1"/>
+                </a:solidFill>
+                <a:latin typeface="+mn-lt"/>
+                <a:ea typeface="+mn-ea"/>
+                <a:cs typeface="+mn-cs"/>
+              </a:defRPr>
+            </a:lvl4pPr>
+            <a:lvl5pPr marL="1828800" indent="0" algn="ctr" defTabSz="914400" rtl="0" eaLnBrk="1" latinLnBrk="0" hangingPunct="1">
+              <a:lnSpc>
+                <a:spcPct val="90000"/>
+              </a:lnSpc>
+              <a:spcBef>
+                <a:spcPts val="500"/>
+              </a:spcBef>
+              <a:buFont typeface="Arial" panose="020B0604020202020204" pitchFamily="34" charset="0"/>
+              <a:buNone/>
+              <a:defRPr sz="1600" kern="1200">
+                <a:solidFill>
+                  <a:schemeClr val="tx1"/>
+                </a:solidFill>
+                <a:latin typeface="+mn-lt"/>
+                <a:ea typeface="+mn-ea"/>
+                <a:cs typeface="+mn-cs"/>
+              </a:defRPr>
+            </a:lvl5pPr>
+            <a:lvl6pPr marL="2286000" indent="0" algn="ctr" defTabSz="914400" rtl="0" eaLnBrk="1" latinLnBrk="0" hangingPunct="1">
+              <a:lnSpc>
+                <a:spcPct val="90000"/>
+              </a:lnSpc>
+              <a:spcBef>
+                <a:spcPts val="500"/>
+              </a:spcBef>
+              <a:buFont typeface="Arial" panose="020B0604020202020204" pitchFamily="34" charset="0"/>
+              <a:buNone/>
+              <a:defRPr sz="1600" kern="1200">
+                <a:solidFill>
+                  <a:schemeClr val="tx1"/>
+                </a:solidFill>
+                <a:latin typeface="+mn-lt"/>
+                <a:ea typeface="+mn-ea"/>
+                <a:cs typeface="+mn-cs"/>
+              </a:defRPr>
+            </a:lvl6pPr>
+            <a:lvl7pPr marL="2743200" indent="0" algn="ctr" defTabSz="914400" rtl="0" eaLnBrk="1" latinLnBrk="0" hangingPunct="1">
+              <a:lnSpc>
+                <a:spcPct val="90000"/>
+              </a:lnSpc>
+              <a:spcBef>
+                <a:spcPts val="500"/>
+              </a:spcBef>
+              <a:buFont typeface="Arial" panose="020B0604020202020204" pitchFamily="34" charset="0"/>
+              <a:buNone/>
+              <a:defRPr sz="1600" kern="1200">
+                <a:solidFill>
+                  <a:schemeClr val="tx1"/>
+                </a:solidFill>
+                <a:latin typeface="+mn-lt"/>
+                <a:ea typeface="+mn-ea"/>
+                <a:cs typeface="+mn-cs"/>
+              </a:defRPr>
+            </a:lvl7pPr>
+            <a:lvl8pPr marL="3200400" indent="0" algn="ctr" defTabSz="914400" rtl="0" eaLnBrk="1" latinLnBrk="0" hangingPunct="1">
+              <a:lnSpc>
+                <a:spcPct val="90000"/>
+              </a:lnSpc>
+              <a:spcBef>
+                <a:spcPts val="500"/>
+              </a:spcBef>
+              <a:buFont typeface="Arial" panose="020B0604020202020204" pitchFamily="34" charset="0"/>
+              <a:buNone/>
+              <a:defRPr sz="1600" kern="1200">
+                <a:solidFill>
+                  <a:schemeClr val="tx1"/>
+                </a:solidFill>
+                <a:latin typeface="+mn-lt"/>
+                <a:ea typeface="+mn-ea"/>
+                <a:cs typeface="+mn-cs"/>
+              </a:defRPr>
+            </a:lvl8pPr>
+            <a:lvl9pPr marL="3657600" indent="0" algn="ctr" defTabSz="914400" rtl="0" eaLnBrk="1" latinLnBrk="0" hangingPunct="1">
+              <a:lnSpc>
+                <a:spcPct val="90000"/>
+              </a:lnSpc>
+              <a:spcBef>
+                <a:spcPts val="500"/>
+              </a:spcBef>
+              <a:buFont typeface="Arial" panose="020B0604020202020204" pitchFamily="34" charset="0"/>
+              <a:buNone/>
+              <a:defRPr sz="1600" kern="1200">
+                <a:solidFill>
+                  <a:schemeClr val="tx1"/>
+                </a:solidFill>
+                <a:latin typeface="+mn-lt"/>
+                <a:ea typeface="+mn-ea"/>
+                <a:cs typeface="+mn-cs"/>
+              </a:defRPr>
+            </a:lvl9pPr>
+          </a:lstStyle>
+          <a:p>
+            <a:pPr algn="r"/>
+            <a:r>
+              <a:rPr lang="en-AU" sz="1800" dirty="0"/>
+              <a:t>GIOVANI DECUSATI</a:t>
             </a:r>
           </a:p>
         </p:txBody>
@@ -6523,7 +7317,7 @@
             <a:pPr algn="ctr"/>
             <a:r>
               <a:rPr lang="en-AU" sz="1200" b="1" dirty="0"/>
-              <a:t>$149</a:t>
+              <a:t>$149/59</a:t>
             </a:r>
           </a:p>
         </p:txBody>
@@ -6774,135 +7568,6 @@
           <a:chExt cx="0" cy="0"/>
         </a:xfrm>
       </p:grpSpPr>
-      <p:sp>
-        <p:nvSpPr>
-          <p:cNvPr id="73" name="Rectangle 72">
-            <a:extLst>
-              <a:ext uri="{FF2B5EF4-FFF2-40B4-BE49-F238E27FC236}">
-                <a16:creationId xmlns:a16="http://schemas.microsoft.com/office/drawing/2014/main" id="{32BC26D8-82FB-445E-AA49-62A77D7C1EE0}"/>
-              </a:ext>
-              <a:ext uri="{C183D7F6-B498-43B3-948B-1728B52AA6E4}">
-                <adec:decorative xmlns:adec="http://schemas.microsoft.com/office/drawing/2017/decorative" val="1"/>
-              </a:ext>
-            </a:extLst>
-          </p:cNvPr>
-          <p:cNvSpPr>
-            <a:spLocks noGrp="1" noRot="1" noChangeAspect="1" noMove="1" noResize="1" noEditPoints="1" noAdjustHandles="1" noChangeArrowheads="1" noChangeShapeType="1" noTextEdit="1"/>
-          </p:cNvSpPr>
-          <p:nvPr>
-            <p:extLst>
-              <p:ext uri="{386F3935-93C4-4BCD-93E2-E3B085C9AB24}">
-                <p16:designElem xmlns:p16="http://schemas.microsoft.com/office/powerpoint/2015/main" val="1"/>
-              </p:ext>
-            </p:extLst>
-          </p:nvPr>
-        </p:nvSpPr>
-        <p:spPr>
-          <a:xfrm>
-            <a:off x="0" y="0"/>
-            <a:ext cx="12192000" cy="6858000"/>
-          </a:xfrm>
-          <a:prstGeom prst="rect">
-            <a:avLst/>
-          </a:prstGeom>
-          <a:solidFill>
-            <a:schemeClr val="tx1">
-              <a:lumMod val="65000"/>
-              <a:lumOff val="35000"/>
-            </a:schemeClr>
-          </a:solidFill>
-          <a:ln>
-            <a:noFill/>
-          </a:ln>
-        </p:spPr>
-        <p:style>
-          <a:lnRef idx="2">
-            <a:schemeClr val="accent1">
-              <a:shade val="50000"/>
-            </a:schemeClr>
-          </a:lnRef>
-          <a:fillRef idx="1">
-            <a:schemeClr val="accent1"/>
-          </a:fillRef>
-          <a:effectRef idx="0">
-            <a:schemeClr val="accent1"/>
-          </a:effectRef>
-          <a:fontRef idx="minor">
-            <a:schemeClr val="lt1"/>
-          </a:fontRef>
-        </p:style>
-        <p:txBody>
-          <a:bodyPr rtlCol="0" anchor="ctr"/>
-          <a:lstStyle/>
-          <a:p>
-            <a:pPr algn="ctr"/>
-            <a:endParaRPr lang="en-US"/>
-          </a:p>
-        </p:txBody>
-      </p:sp>
-      <p:sp>
-        <p:nvSpPr>
-          <p:cNvPr id="75" name="Rectangle 74">
-            <a:extLst>
-              <a:ext uri="{FF2B5EF4-FFF2-40B4-BE49-F238E27FC236}">
-                <a16:creationId xmlns:a16="http://schemas.microsoft.com/office/drawing/2014/main" id="{CB44330D-EA18-4254-AA95-EB49948539B8}"/>
-              </a:ext>
-              <a:ext uri="{C183D7F6-B498-43B3-948B-1728B52AA6E4}">
-                <adec:decorative xmlns:adec="http://schemas.microsoft.com/office/drawing/2017/decorative" val="1"/>
-              </a:ext>
-            </a:extLst>
-          </p:cNvPr>
-          <p:cNvSpPr>
-            <a:spLocks noGrp="1" noRot="1" noChangeAspect="1" noMove="1" noResize="1" noEditPoints="1" noAdjustHandles="1" noChangeArrowheads="1" noChangeShapeType="1" noTextEdit="1"/>
-          </p:cNvSpPr>
-          <p:nvPr>
-            <p:extLst>
-              <p:ext uri="{386F3935-93C4-4BCD-93E2-E3B085C9AB24}">
-                <p16:designElem xmlns:p16="http://schemas.microsoft.com/office/powerpoint/2015/main" val="1"/>
-              </p:ext>
-            </p:extLst>
-          </p:nvPr>
-        </p:nvSpPr>
-        <p:spPr>
-          <a:xfrm>
-            <a:off x="477012" y="480060"/>
-            <a:ext cx="11237976" cy="5897880"/>
-          </a:xfrm>
-          <a:prstGeom prst="rect">
-            <a:avLst/>
-          </a:prstGeom>
-          <a:solidFill>
-            <a:srgbClr val="FFFFFF"/>
-          </a:solidFill>
-          <a:ln>
-            <a:noFill/>
-          </a:ln>
-        </p:spPr>
-        <p:style>
-          <a:lnRef idx="2">
-            <a:schemeClr val="accent1">
-              <a:shade val="50000"/>
-            </a:schemeClr>
-          </a:lnRef>
-          <a:fillRef idx="1">
-            <a:schemeClr val="accent1"/>
-          </a:fillRef>
-          <a:effectRef idx="0">
-            <a:schemeClr val="accent1"/>
-          </a:effectRef>
-          <a:fontRef idx="minor">
-            <a:schemeClr val="lt1"/>
-          </a:fontRef>
-        </p:style>
-        <p:txBody>
-          <a:bodyPr rtlCol="0" anchor="ctr"/>
-          <a:lstStyle/>
-          <a:p>
-            <a:pPr algn="ctr"/>
-            <a:endParaRPr lang="en-US"/>
-          </a:p>
-        </p:txBody>
-      </p:sp>
       <p:pic>
         <p:nvPicPr>
           <p:cNvPr id="2052" name="Picture 4" descr="Image result for amazon echo inside">
@@ -7003,7 +7668,7 @@
           <a:p>
             <a:r>
               <a:rPr lang="en-AU" dirty="0"/>
-              <a:t>ARTIFICIAL INTELIGENCE</a:t>
+              <a:t>CHATBOTS – A.I.</a:t>
             </a:r>
           </a:p>
         </p:txBody>
@@ -7365,884 +8030,6 @@
 </file>
 
 <file path=ppt/slides/slide5.xml><?xml version="1.0" encoding="utf-8"?>
-<p:sld xmlns:a="http://schemas.openxmlformats.org/drawingml/2006/main" xmlns:r="http://schemas.openxmlformats.org/officeDocument/2006/relationships" xmlns:p="http://schemas.openxmlformats.org/presentationml/2006/main">
-  <p:cSld>
-    <p:spTree>
-      <p:nvGrpSpPr>
-        <p:cNvPr id="1" name=""/>
-        <p:cNvGrpSpPr/>
-        <p:nvPr/>
-      </p:nvGrpSpPr>
-      <p:grpSpPr>
-        <a:xfrm>
-          <a:off x="0" y="0"/>
-          <a:ext cx="0" cy="0"/>
-          <a:chOff x="0" y="0"/>
-          <a:chExt cx="0" cy="0"/>
-        </a:xfrm>
-      </p:grpSpPr>
-      <p:sp>
-        <p:nvSpPr>
-          <p:cNvPr id="2" name="Title 1">
-            <a:extLst>
-              <a:ext uri="{FF2B5EF4-FFF2-40B4-BE49-F238E27FC236}">
-                <a16:creationId xmlns:a16="http://schemas.microsoft.com/office/drawing/2014/main" id="{968AED7C-28DD-4223-8AC4-5FDBFCF8C087}"/>
-              </a:ext>
-            </a:extLst>
-          </p:cNvPr>
-          <p:cNvSpPr>
-            <a:spLocks noGrp="1"/>
-          </p:cNvSpPr>
-          <p:nvPr>
-            <p:ph type="title"/>
-          </p:nvPr>
-        </p:nvSpPr>
-        <p:spPr/>
-        <p:txBody>
-          <a:bodyPr/>
-          <a:lstStyle/>
-          <a:p>
-            <a:r>
-              <a:rPr lang="en-AU" dirty="0"/>
-              <a:t>A.I. LANGUAGE</a:t>
-            </a:r>
-          </a:p>
-        </p:txBody>
-      </p:sp>
-      <p:pic>
-        <p:nvPicPr>
-          <p:cNvPr id="3074" name="Picture 2" descr="Image result for alexa">
-            <a:extLst>
-              <a:ext uri="{FF2B5EF4-FFF2-40B4-BE49-F238E27FC236}">
-                <a16:creationId xmlns:a16="http://schemas.microsoft.com/office/drawing/2014/main" id="{559374CD-00C6-4632-898A-F107A1430DF0}"/>
-              </a:ext>
-            </a:extLst>
-          </p:cNvPr>
-          <p:cNvPicPr>
-            <a:picLocks noChangeAspect="1" noChangeArrowheads="1"/>
-          </p:cNvPicPr>
-          <p:nvPr/>
-        </p:nvPicPr>
-        <p:blipFill rotWithShape="1">
-          <a:blip r:embed="rId3">
-            <a:extLst>
-              <a:ext uri="{28A0092B-C50C-407E-A947-70E740481C1C}">
-                <a14:useLocalDpi xmlns:a14="http://schemas.microsoft.com/office/drawing/2010/main" val="0"/>
-              </a:ext>
-            </a:extLst>
-          </a:blip>
-          <a:srcRect l="31441" t="8558" r="31764"/>
-          <a:stretch/>
-        </p:blipFill>
-        <p:spPr bwMode="auto">
-          <a:xfrm>
-            <a:off x="3429732" y="1644066"/>
-            <a:ext cx="793214" cy="983313"/>
-          </a:xfrm>
-          <a:prstGeom prst="rect">
-            <a:avLst/>
-          </a:prstGeom>
-          <a:noFill/>
-          <a:extLst>
-            <a:ext uri="{909E8E84-426E-40DD-AFC4-6F175D3DCCD1}">
-              <a14:hiddenFill xmlns:a14="http://schemas.microsoft.com/office/drawing/2010/main">
-                <a:solidFill>
-                  <a:srgbClr val="FFFFFF"/>
-                </a:solidFill>
-              </a14:hiddenFill>
-            </a:ext>
-          </a:extLst>
-        </p:spPr>
-      </p:pic>
-      <p:pic>
-        <p:nvPicPr>
-          <p:cNvPr id="3078" name="Picture 6" descr="Related image">
-            <a:extLst>
-              <a:ext uri="{FF2B5EF4-FFF2-40B4-BE49-F238E27FC236}">
-                <a16:creationId xmlns:a16="http://schemas.microsoft.com/office/drawing/2014/main" id="{CD026F8E-6185-454C-A279-3B35291E283D}"/>
-              </a:ext>
-            </a:extLst>
-          </p:cNvPr>
-          <p:cNvPicPr>
-            <a:picLocks noChangeAspect="1" noChangeArrowheads="1"/>
-          </p:cNvPicPr>
-          <p:nvPr/>
-        </p:nvPicPr>
-        <p:blipFill>
-          <a:blip r:embed="rId4">
-            <a:extLst>
-              <a:ext uri="{28A0092B-C50C-407E-A947-70E740481C1C}">
-                <a14:useLocalDpi xmlns:a14="http://schemas.microsoft.com/office/drawing/2010/main" val="0"/>
-              </a:ext>
-            </a:extLst>
-          </a:blip>
-          <a:srcRect/>
-          <a:stretch>
-            <a:fillRect/>
-          </a:stretch>
-        </p:blipFill>
-        <p:spPr bwMode="auto">
-          <a:xfrm>
-            <a:off x="562445" y="1566576"/>
-            <a:ext cx="1555498" cy="1138295"/>
-          </a:xfrm>
-          <a:prstGeom prst="rect">
-            <a:avLst/>
-          </a:prstGeom>
-          <a:noFill/>
-          <a:extLst>
-            <a:ext uri="{909E8E84-426E-40DD-AFC4-6F175D3DCCD1}">
-              <a14:hiddenFill xmlns:a14="http://schemas.microsoft.com/office/drawing/2010/main">
-                <a:solidFill>
-                  <a:srgbClr val="FFFFFF"/>
-                </a:solidFill>
-              </a14:hiddenFill>
-            </a:ext>
-          </a:extLst>
-        </p:spPr>
-      </p:pic>
-      <p:pic>
-        <p:nvPicPr>
-          <p:cNvPr id="3080" name="Picture 8" descr="Image result for siri">
-            <a:extLst>
-              <a:ext uri="{FF2B5EF4-FFF2-40B4-BE49-F238E27FC236}">
-                <a16:creationId xmlns:a16="http://schemas.microsoft.com/office/drawing/2014/main" id="{EA3715BE-8A22-4FB1-8EEC-48C6833DF3CC}"/>
-              </a:ext>
-            </a:extLst>
-          </p:cNvPr>
-          <p:cNvPicPr>
-            <a:picLocks noChangeAspect="1" noChangeArrowheads="1"/>
-          </p:cNvPicPr>
-          <p:nvPr/>
-        </p:nvPicPr>
-        <p:blipFill>
-          <a:blip r:embed="rId5">
-            <a:extLst>
-              <a:ext uri="{28A0092B-C50C-407E-A947-70E740481C1C}">
-                <a14:useLocalDpi xmlns:a14="http://schemas.microsoft.com/office/drawing/2010/main" val="0"/>
-              </a:ext>
-            </a:extLst>
-          </a:blip>
-          <a:srcRect/>
-          <a:stretch>
-            <a:fillRect/>
-          </a:stretch>
-        </p:blipFill>
-        <p:spPr bwMode="auto">
-          <a:xfrm>
-            <a:off x="6889789" y="1793481"/>
-            <a:ext cx="1025989" cy="684481"/>
-          </a:xfrm>
-          <a:prstGeom prst="rect">
-            <a:avLst/>
-          </a:prstGeom>
-          <a:noFill/>
-          <a:extLst>
-            <a:ext uri="{909E8E84-426E-40DD-AFC4-6F175D3DCCD1}">
-              <a14:hiddenFill xmlns:a14="http://schemas.microsoft.com/office/drawing/2010/main">
-                <a:solidFill>
-                  <a:srgbClr val="FFFFFF"/>
-                </a:solidFill>
-              </a14:hiddenFill>
-            </a:ext>
-          </a:extLst>
-        </p:spPr>
-      </p:pic>
-      <p:pic>
-        <p:nvPicPr>
-          <p:cNvPr id="3082" name="Picture 10" descr="Image result for google">
-            <a:extLst>
-              <a:ext uri="{FF2B5EF4-FFF2-40B4-BE49-F238E27FC236}">
-                <a16:creationId xmlns:a16="http://schemas.microsoft.com/office/drawing/2014/main" id="{58D94626-B13D-4619-B3D8-49DB7B62FEED}"/>
-              </a:ext>
-            </a:extLst>
-          </p:cNvPr>
-          <p:cNvPicPr>
-            <a:picLocks noChangeAspect="1" noChangeArrowheads="1"/>
-          </p:cNvPicPr>
-          <p:nvPr/>
-        </p:nvPicPr>
-        <p:blipFill>
-          <a:blip r:embed="rId6">
-            <a:extLst>
-              <a:ext uri="{28A0092B-C50C-407E-A947-70E740481C1C}">
-                <a14:useLocalDpi xmlns:a14="http://schemas.microsoft.com/office/drawing/2010/main" val="0"/>
-              </a:ext>
-            </a:extLst>
-          </a:blip>
-          <a:srcRect/>
-          <a:stretch>
-            <a:fillRect/>
-          </a:stretch>
-        </p:blipFill>
-        <p:spPr bwMode="auto">
-          <a:xfrm>
-            <a:off x="9820338" y="1454829"/>
-            <a:ext cx="1361784" cy="1361784"/>
-          </a:xfrm>
-          <a:prstGeom prst="rect">
-            <a:avLst/>
-          </a:prstGeom>
-          <a:noFill/>
-          <a:extLst>
-            <a:ext uri="{909E8E84-426E-40DD-AFC4-6F175D3DCCD1}">
-              <a14:hiddenFill xmlns:a14="http://schemas.microsoft.com/office/drawing/2010/main">
-                <a:solidFill>
-                  <a:srgbClr val="FFFFFF"/>
-                </a:solidFill>
-              </a14:hiddenFill>
-            </a:ext>
-          </a:extLst>
-        </p:spPr>
-      </p:pic>
-      <p:sp>
-        <p:nvSpPr>
-          <p:cNvPr id="12" name="TextBox 11">
-            <a:extLst>
-              <a:ext uri="{FF2B5EF4-FFF2-40B4-BE49-F238E27FC236}">
-                <a16:creationId xmlns:a16="http://schemas.microsoft.com/office/drawing/2014/main" id="{640933F1-BB6D-4B87-AEF0-9BA226378037}"/>
-              </a:ext>
-            </a:extLst>
-          </p:cNvPr>
-          <p:cNvSpPr txBox="1"/>
-          <p:nvPr/>
-        </p:nvSpPr>
-        <p:spPr>
-          <a:xfrm>
-            <a:off x="206593" y="2887682"/>
-            <a:ext cx="2959100" cy="3970318"/>
-          </a:xfrm>
-          <a:prstGeom prst="rect">
-            <a:avLst/>
-          </a:prstGeom>
-          <a:noFill/>
-        </p:spPr>
-        <p:txBody>
-          <a:bodyPr wrap="square" rtlCol="0">
-            <a:spAutoFit/>
-          </a:bodyPr>
-          <a:lstStyle/>
-          <a:p>
-            <a:pPr marL="285750" indent="-285750">
-              <a:buFont typeface="Arial" panose="020B0604020202020204" pitchFamily="34" charset="0"/>
-              <a:buChar char="•"/>
-            </a:pPr>
-            <a:r>
-              <a:rPr lang="en-AU" b="1" dirty="0"/>
-              <a:t>Australia: English</a:t>
-            </a:r>
-          </a:p>
-          <a:p>
-            <a:pPr marL="285750" indent="-285750">
-              <a:buFont typeface="Arial" panose="020B0604020202020204" pitchFamily="34" charset="0"/>
-              <a:buChar char="•"/>
-            </a:pPr>
-            <a:r>
-              <a:rPr lang="en-AU" dirty="0"/>
-              <a:t>Brazil: Portuguese</a:t>
-            </a:r>
-          </a:p>
-          <a:p>
-            <a:pPr marL="285750" indent="-285750">
-              <a:buFont typeface="Arial" panose="020B0604020202020204" pitchFamily="34" charset="0"/>
-              <a:buChar char="•"/>
-            </a:pPr>
-            <a:r>
-              <a:rPr lang="en-AU" dirty="0"/>
-              <a:t>Canada: English/French</a:t>
-            </a:r>
-          </a:p>
-          <a:p>
-            <a:pPr marL="285750" indent="-285750">
-              <a:buFont typeface="Arial" panose="020B0604020202020204" pitchFamily="34" charset="0"/>
-              <a:buChar char="•"/>
-            </a:pPr>
-            <a:r>
-              <a:rPr lang="en-AU" dirty="0"/>
-              <a:t>China: Chinese (Simplified)</a:t>
-            </a:r>
-          </a:p>
-          <a:p>
-            <a:pPr marL="285750" indent="-285750">
-              <a:buFont typeface="Arial" panose="020B0604020202020204" pitchFamily="34" charset="0"/>
-              <a:buChar char="•"/>
-            </a:pPr>
-            <a:r>
-              <a:rPr lang="en-AU" dirty="0"/>
-              <a:t>France: French</a:t>
-            </a:r>
-          </a:p>
-          <a:p>
-            <a:pPr marL="285750" indent="-285750">
-              <a:buFont typeface="Arial" panose="020B0604020202020204" pitchFamily="34" charset="0"/>
-              <a:buChar char="•"/>
-            </a:pPr>
-            <a:r>
-              <a:rPr lang="en-AU" dirty="0"/>
-              <a:t>Germany: German</a:t>
-            </a:r>
-          </a:p>
-          <a:p>
-            <a:pPr marL="285750" indent="-285750">
-              <a:buFont typeface="Arial" panose="020B0604020202020204" pitchFamily="34" charset="0"/>
-              <a:buChar char="•"/>
-            </a:pPr>
-            <a:r>
-              <a:rPr lang="en-AU" dirty="0"/>
-              <a:t>India: English</a:t>
-            </a:r>
-          </a:p>
-          <a:p>
-            <a:pPr marL="285750" indent="-285750">
-              <a:buFont typeface="Arial" panose="020B0604020202020204" pitchFamily="34" charset="0"/>
-              <a:buChar char="•"/>
-            </a:pPr>
-            <a:r>
-              <a:rPr lang="en-AU" dirty="0"/>
-              <a:t>Italy: Italian</a:t>
-            </a:r>
-          </a:p>
-          <a:p>
-            <a:pPr marL="285750" indent="-285750">
-              <a:buFont typeface="Arial" panose="020B0604020202020204" pitchFamily="34" charset="0"/>
-              <a:buChar char="•"/>
-            </a:pPr>
-            <a:r>
-              <a:rPr lang="en-AU" dirty="0"/>
-              <a:t>Japan: Japanese</a:t>
-            </a:r>
-          </a:p>
-          <a:p>
-            <a:pPr marL="285750" indent="-285750">
-              <a:buFont typeface="Arial" panose="020B0604020202020204" pitchFamily="34" charset="0"/>
-              <a:buChar char="•"/>
-            </a:pPr>
-            <a:r>
-              <a:rPr lang="en-AU" dirty="0"/>
-              <a:t>Mexico: Spanish</a:t>
-            </a:r>
-          </a:p>
-          <a:p>
-            <a:pPr marL="285750" indent="-285750">
-              <a:buFont typeface="Arial" panose="020B0604020202020204" pitchFamily="34" charset="0"/>
-              <a:buChar char="•"/>
-            </a:pPr>
-            <a:r>
-              <a:rPr lang="en-AU" dirty="0"/>
-              <a:t>Spain: Spanish</a:t>
-            </a:r>
-          </a:p>
-          <a:p>
-            <a:pPr marL="285750" indent="-285750">
-              <a:buFont typeface="Arial" panose="020B0604020202020204" pitchFamily="34" charset="0"/>
-              <a:buChar char="•"/>
-            </a:pPr>
-            <a:r>
-              <a:rPr lang="en-AU" dirty="0"/>
-              <a:t>United Kingdom: English</a:t>
-            </a:r>
-          </a:p>
-          <a:p>
-            <a:pPr marL="285750" indent="-285750">
-              <a:buFont typeface="Arial" panose="020B0604020202020204" pitchFamily="34" charset="0"/>
-              <a:buChar char="•"/>
-            </a:pPr>
-            <a:r>
-              <a:rPr lang="en-AU" dirty="0"/>
-              <a:t>United States: English</a:t>
-            </a:r>
-          </a:p>
-          <a:p>
-            <a:pPr marL="285750" indent="-285750">
-              <a:buFont typeface="Arial" panose="020B0604020202020204" pitchFamily="34" charset="0"/>
-              <a:buChar char="•"/>
-            </a:pPr>
-            <a:endParaRPr lang="en-AU" dirty="0"/>
-          </a:p>
-        </p:txBody>
-      </p:sp>
-      <p:sp>
-        <p:nvSpPr>
-          <p:cNvPr id="17" name="TextBox 16">
-            <a:extLst>
-              <a:ext uri="{FF2B5EF4-FFF2-40B4-BE49-F238E27FC236}">
-                <a16:creationId xmlns:a16="http://schemas.microsoft.com/office/drawing/2014/main" id="{315A923A-FEC6-40F3-9BB2-3B929D9CFC1C}"/>
-              </a:ext>
-            </a:extLst>
-          </p:cNvPr>
-          <p:cNvSpPr txBox="1"/>
-          <p:nvPr/>
-        </p:nvSpPr>
-        <p:spPr>
-          <a:xfrm>
-            <a:off x="3127153" y="2887682"/>
-            <a:ext cx="2959100" cy="2308324"/>
-          </a:xfrm>
-          <a:prstGeom prst="rect">
-            <a:avLst/>
-          </a:prstGeom>
-          <a:noFill/>
-        </p:spPr>
-        <p:txBody>
-          <a:bodyPr wrap="square" rtlCol="0">
-            <a:spAutoFit/>
-          </a:bodyPr>
-          <a:lstStyle/>
-          <a:p>
-            <a:pPr marL="285750" indent="-285750">
-              <a:buFont typeface="Arial" panose="020B0604020202020204" pitchFamily="34" charset="0"/>
-              <a:buChar char="•"/>
-            </a:pPr>
-            <a:r>
-              <a:rPr lang="en-AU" b="1" dirty="0"/>
-              <a:t>Australia: English</a:t>
-            </a:r>
-          </a:p>
-          <a:p>
-            <a:pPr marL="285750" indent="-285750">
-              <a:buFont typeface="Arial" panose="020B0604020202020204" pitchFamily="34" charset="0"/>
-              <a:buChar char="•"/>
-            </a:pPr>
-            <a:r>
-              <a:rPr lang="en-AU" dirty="0"/>
-              <a:t>Canada: English/French</a:t>
-            </a:r>
-          </a:p>
-          <a:p>
-            <a:pPr marL="285750" indent="-285750">
-              <a:buFont typeface="Arial" panose="020B0604020202020204" pitchFamily="34" charset="0"/>
-              <a:buChar char="•"/>
-            </a:pPr>
-            <a:r>
-              <a:rPr lang="en-AU" dirty="0"/>
-              <a:t>Germany: German</a:t>
-            </a:r>
-          </a:p>
-          <a:p>
-            <a:pPr marL="285750" indent="-285750">
-              <a:buFont typeface="Arial" panose="020B0604020202020204" pitchFamily="34" charset="0"/>
-              <a:buChar char="•"/>
-            </a:pPr>
-            <a:r>
-              <a:rPr lang="en-AU" dirty="0"/>
-              <a:t>India: English</a:t>
-            </a:r>
-          </a:p>
-          <a:p>
-            <a:pPr marL="285750" indent="-285750">
-              <a:buFont typeface="Arial" panose="020B0604020202020204" pitchFamily="34" charset="0"/>
-              <a:buChar char="•"/>
-            </a:pPr>
-            <a:r>
-              <a:rPr lang="en-AU" dirty="0"/>
-              <a:t>Japan: Japanese</a:t>
-            </a:r>
-          </a:p>
-          <a:p>
-            <a:pPr marL="285750" indent="-285750">
-              <a:buFont typeface="Arial" panose="020B0604020202020204" pitchFamily="34" charset="0"/>
-              <a:buChar char="•"/>
-            </a:pPr>
-            <a:r>
-              <a:rPr lang="en-AU" dirty="0"/>
-              <a:t>United Kingdom: English</a:t>
-            </a:r>
-          </a:p>
-          <a:p>
-            <a:pPr marL="285750" indent="-285750">
-              <a:buFont typeface="Arial" panose="020B0604020202020204" pitchFamily="34" charset="0"/>
-              <a:buChar char="•"/>
-            </a:pPr>
-            <a:r>
-              <a:rPr lang="en-AU" dirty="0"/>
-              <a:t>United States: English</a:t>
-            </a:r>
-          </a:p>
-          <a:p>
-            <a:pPr marL="285750" indent="-285750">
-              <a:buFont typeface="Arial" panose="020B0604020202020204" pitchFamily="34" charset="0"/>
-              <a:buChar char="•"/>
-            </a:pPr>
-            <a:endParaRPr lang="en-AU" dirty="0"/>
-          </a:p>
-        </p:txBody>
-      </p:sp>
-      <p:sp>
-        <p:nvSpPr>
-          <p:cNvPr id="18" name="TextBox 17">
-            <a:extLst>
-              <a:ext uri="{FF2B5EF4-FFF2-40B4-BE49-F238E27FC236}">
-                <a16:creationId xmlns:a16="http://schemas.microsoft.com/office/drawing/2014/main" id="{1E3506FE-B78A-408B-A2F2-E3E3AECC43FA}"/>
-              </a:ext>
-            </a:extLst>
-          </p:cNvPr>
-          <p:cNvSpPr txBox="1"/>
-          <p:nvPr/>
-        </p:nvSpPr>
-        <p:spPr>
-          <a:xfrm>
-            <a:off x="9324834" y="2887682"/>
-            <a:ext cx="2959100" cy="2308324"/>
-          </a:xfrm>
-          <a:prstGeom prst="rect">
-            <a:avLst/>
-          </a:prstGeom>
-          <a:noFill/>
-        </p:spPr>
-        <p:txBody>
-          <a:bodyPr wrap="square" rtlCol="0">
-            <a:spAutoFit/>
-          </a:bodyPr>
-          <a:lstStyle/>
-          <a:p>
-            <a:pPr marL="285750" indent="-285750">
-              <a:buFont typeface="Arial" panose="020B0604020202020204" pitchFamily="34" charset="0"/>
-              <a:buChar char="•"/>
-            </a:pPr>
-            <a:r>
-              <a:rPr lang="en-AU" b="1" dirty="0"/>
-              <a:t>Australia: English</a:t>
-            </a:r>
-          </a:p>
-          <a:p>
-            <a:pPr marL="285750" indent="-285750">
-              <a:buFont typeface="Arial" panose="020B0604020202020204" pitchFamily="34" charset="0"/>
-              <a:buChar char="•"/>
-            </a:pPr>
-            <a:r>
-              <a:rPr lang="en-AU" dirty="0"/>
-              <a:t>Canada: English/French</a:t>
-            </a:r>
-          </a:p>
-          <a:p>
-            <a:pPr marL="285750" indent="-285750">
-              <a:buFont typeface="Arial" panose="020B0604020202020204" pitchFamily="34" charset="0"/>
-              <a:buChar char="•"/>
-            </a:pPr>
-            <a:r>
-              <a:rPr lang="en-AU" dirty="0"/>
-              <a:t>Germany: German</a:t>
-            </a:r>
-          </a:p>
-          <a:p>
-            <a:pPr marL="285750" indent="-285750">
-              <a:buFont typeface="Arial" panose="020B0604020202020204" pitchFamily="34" charset="0"/>
-              <a:buChar char="•"/>
-            </a:pPr>
-            <a:r>
-              <a:rPr lang="en-AU" dirty="0"/>
-              <a:t>India: English</a:t>
-            </a:r>
-          </a:p>
-          <a:p>
-            <a:pPr marL="285750" indent="-285750">
-              <a:buFont typeface="Arial" panose="020B0604020202020204" pitchFamily="34" charset="0"/>
-              <a:buChar char="•"/>
-            </a:pPr>
-            <a:r>
-              <a:rPr lang="en-AU" dirty="0"/>
-              <a:t>Japan: Japanese</a:t>
-            </a:r>
-          </a:p>
-          <a:p>
-            <a:pPr marL="285750" indent="-285750">
-              <a:buFont typeface="Arial" panose="020B0604020202020204" pitchFamily="34" charset="0"/>
-              <a:buChar char="•"/>
-            </a:pPr>
-            <a:r>
-              <a:rPr lang="en-AU" dirty="0"/>
-              <a:t>United Kingdom: English</a:t>
-            </a:r>
-          </a:p>
-          <a:p>
-            <a:pPr marL="285750" indent="-285750">
-              <a:buFont typeface="Arial" panose="020B0604020202020204" pitchFamily="34" charset="0"/>
-              <a:buChar char="•"/>
-            </a:pPr>
-            <a:r>
-              <a:rPr lang="en-AU" dirty="0"/>
-              <a:t>United States: English</a:t>
-            </a:r>
-          </a:p>
-          <a:p>
-            <a:pPr marL="285750" indent="-285750">
-              <a:buFont typeface="Arial" panose="020B0604020202020204" pitchFamily="34" charset="0"/>
-              <a:buChar char="•"/>
-            </a:pPr>
-            <a:endParaRPr lang="en-AU" dirty="0"/>
-          </a:p>
-        </p:txBody>
-      </p:sp>
-      <p:sp>
-        <p:nvSpPr>
-          <p:cNvPr id="19" name="TextBox 18">
-            <a:extLst>
-              <a:ext uri="{FF2B5EF4-FFF2-40B4-BE49-F238E27FC236}">
-                <a16:creationId xmlns:a16="http://schemas.microsoft.com/office/drawing/2014/main" id="{564ABC3D-840D-4212-9077-750FD4B212E6}"/>
-              </a:ext>
-            </a:extLst>
-          </p:cNvPr>
-          <p:cNvSpPr txBox="1">
-            <a:spLocks/>
-          </p:cNvSpPr>
-          <p:nvPr/>
-        </p:nvSpPr>
-        <p:spPr>
-          <a:xfrm>
-            <a:off x="6274398" y="3019932"/>
-            <a:ext cx="2959100" cy="3690145"/>
-          </a:xfrm>
-          <a:prstGeom prst="rect">
-            <a:avLst/>
-          </a:prstGeom>
-          <a:noFill/>
-        </p:spPr>
-        <p:txBody>
-          <a:bodyPr wrap="square" numCol="2" rtlCol="0">
-            <a:normAutofit fontScale="92500" lnSpcReduction="10000"/>
-          </a:bodyPr>
-          <a:lstStyle/>
-          <a:p>
-            <a:pPr marL="285750" indent="-285750">
-              <a:buFont typeface="Arial" panose="020B0604020202020204" pitchFamily="34" charset="0"/>
-              <a:buChar char="•"/>
-            </a:pPr>
-            <a:r>
-              <a:rPr lang="en-AU" dirty="0"/>
-              <a:t>Arabic</a:t>
-            </a:r>
-          </a:p>
-          <a:p>
-            <a:pPr marL="285750" indent="-285750">
-              <a:buFont typeface="Arial" panose="020B0604020202020204" pitchFamily="34" charset="0"/>
-              <a:buChar char="•"/>
-            </a:pPr>
-            <a:r>
-              <a:rPr lang="en-AU" dirty="0"/>
-              <a:t>Chinese</a:t>
-            </a:r>
-          </a:p>
-          <a:p>
-            <a:pPr marL="285750" indent="-285750">
-              <a:buFont typeface="Arial" panose="020B0604020202020204" pitchFamily="34" charset="0"/>
-              <a:buChar char="•"/>
-            </a:pPr>
-            <a:r>
-              <a:rPr lang="en-AU" dirty="0"/>
-              <a:t>Danish</a:t>
-            </a:r>
-          </a:p>
-          <a:p>
-            <a:pPr marL="285750" indent="-285750">
-              <a:buFont typeface="Arial" panose="020B0604020202020204" pitchFamily="34" charset="0"/>
-              <a:buChar char="•"/>
-            </a:pPr>
-            <a:r>
-              <a:rPr lang="en-AU" dirty="0"/>
-              <a:t>Dutch</a:t>
-            </a:r>
-          </a:p>
-          <a:p>
-            <a:pPr marL="285750" indent="-285750">
-              <a:buFont typeface="Arial" panose="020B0604020202020204" pitchFamily="34" charset="0"/>
-              <a:buChar char="•"/>
-            </a:pPr>
-            <a:r>
-              <a:rPr lang="en-AU" b="1" dirty="0"/>
-              <a:t>English</a:t>
-            </a:r>
-          </a:p>
-          <a:p>
-            <a:pPr marL="285750" indent="-285750">
-              <a:buFont typeface="Arial" panose="020B0604020202020204" pitchFamily="34" charset="0"/>
-              <a:buChar char="•"/>
-            </a:pPr>
-            <a:r>
-              <a:rPr lang="en-AU" dirty="0"/>
-              <a:t>Finnish</a:t>
-            </a:r>
-          </a:p>
-          <a:p>
-            <a:pPr marL="285750" indent="-285750">
-              <a:buFont typeface="Arial" panose="020B0604020202020204" pitchFamily="34" charset="0"/>
-              <a:buChar char="•"/>
-            </a:pPr>
-            <a:r>
-              <a:rPr lang="en-AU" dirty="0"/>
-              <a:t>French</a:t>
-            </a:r>
-          </a:p>
-          <a:p>
-            <a:pPr marL="285750" indent="-285750">
-              <a:buFont typeface="Arial" panose="020B0604020202020204" pitchFamily="34" charset="0"/>
-              <a:buChar char="•"/>
-            </a:pPr>
-            <a:r>
-              <a:rPr lang="en-AU" dirty="0"/>
-              <a:t>German</a:t>
-            </a:r>
-          </a:p>
-          <a:p>
-            <a:pPr marL="285750" indent="-285750">
-              <a:buFont typeface="Arial" panose="020B0604020202020204" pitchFamily="34" charset="0"/>
-              <a:buChar char="•"/>
-            </a:pPr>
-            <a:r>
-              <a:rPr lang="en-AU" dirty="0"/>
-              <a:t>Hebrew</a:t>
-            </a:r>
-          </a:p>
-          <a:p>
-            <a:pPr marL="285750" indent="-285750">
-              <a:buFont typeface="Arial" panose="020B0604020202020204" pitchFamily="34" charset="0"/>
-              <a:buChar char="•"/>
-            </a:pPr>
-            <a:r>
-              <a:rPr lang="en-AU" dirty="0"/>
-              <a:t>Italian</a:t>
-            </a:r>
-          </a:p>
-          <a:p>
-            <a:pPr marL="285750" indent="-285750">
-              <a:buFont typeface="Arial" panose="020B0604020202020204" pitchFamily="34" charset="0"/>
-              <a:buChar char="•"/>
-            </a:pPr>
-            <a:r>
-              <a:rPr lang="en-AU" dirty="0"/>
-              <a:t>Japanese</a:t>
-            </a:r>
-          </a:p>
-          <a:p>
-            <a:pPr marL="285750" indent="-285750">
-              <a:buFont typeface="Arial" panose="020B0604020202020204" pitchFamily="34" charset="0"/>
-              <a:buChar char="•"/>
-            </a:pPr>
-            <a:r>
-              <a:rPr lang="en-AU" dirty="0"/>
-              <a:t>Korean</a:t>
-            </a:r>
-          </a:p>
-          <a:p>
-            <a:pPr marL="285750" indent="-285750">
-              <a:buFont typeface="Arial" panose="020B0604020202020204" pitchFamily="34" charset="0"/>
-              <a:buChar char="•"/>
-            </a:pPr>
-            <a:r>
-              <a:rPr lang="en-AU" dirty="0"/>
-              <a:t>Malay</a:t>
-            </a:r>
-          </a:p>
-          <a:p>
-            <a:pPr marL="285750" indent="-285750">
-              <a:buFont typeface="Arial" panose="020B0604020202020204" pitchFamily="34" charset="0"/>
-              <a:buChar char="•"/>
-            </a:pPr>
-            <a:r>
-              <a:rPr lang="en-AU" dirty="0"/>
-              <a:t>Norwegian</a:t>
-            </a:r>
-          </a:p>
-          <a:p>
-            <a:pPr marL="285750" indent="-285750">
-              <a:buFont typeface="Arial" panose="020B0604020202020204" pitchFamily="34" charset="0"/>
-              <a:buChar char="•"/>
-            </a:pPr>
-            <a:r>
-              <a:rPr lang="en-AU" dirty="0"/>
-              <a:t>Portuguese</a:t>
-            </a:r>
-          </a:p>
-          <a:p>
-            <a:pPr marL="285750" indent="-285750">
-              <a:buFont typeface="Arial" panose="020B0604020202020204" pitchFamily="34" charset="0"/>
-              <a:buChar char="•"/>
-            </a:pPr>
-            <a:r>
-              <a:rPr lang="en-AU" dirty="0"/>
-              <a:t>Russian </a:t>
-            </a:r>
-          </a:p>
-          <a:p>
-            <a:pPr marL="285750" indent="-285750">
-              <a:buFont typeface="Arial" panose="020B0604020202020204" pitchFamily="34" charset="0"/>
-              <a:buChar char="•"/>
-            </a:pPr>
-            <a:r>
-              <a:rPr lang="en-AU" dirty="0"/>
-              <a:t>Spanish</a:t>
-            </a:r>
-          </a:p>
-          <a:p>
-            <a:pPr marL="285750" indent="-285750">
-              <a:buFont typeface="Arial" panose="020B0604020202020204" pitchFamily="34" charset="0"/>
-              <a:buChar char="•"/>
-            </a:pPr>
-            <a:r>
-              <a:rPr lang="en-AU" dirty="0"/>
-              <a:t>Swedish</a:t>
-            </a:r>
-          </a:p>
-          <a:p>
-            <a:pPr marL="285750" indent="-285750">
-              <a:buFont typeface="Arial" panose="020B0604020202020204" pitchFamily="34" charset="0"/>
-              <a:buChar char="•"/>
-            </a:pPr>
-            <a:r>
-              <a:rPr lang="en-AU" dirty="0"/>
-              <a:t>Thai </a:t>
-            </a:r>
-          </a:p>
-          <a:p>
-            <a:pPr marL="285750" indent="-285750">
-              <a:buFont typeface="Arial" panose="020B0604020202020204" pitchFamily="34" charset="0"/>
-              <a:buChar char="•"/>
-            </a:pPr>
-            <a:r>
-              <a:rPr lang="en-AU" dirty="0"/>
-              <a:t>Turkish</a:t>
-            </a:r>
-          </a:p>
-          <a:p>
-            <a:endParaRPr lang="en-AU" dirty="0"/>
-          </a:p>
-          <a:p>
-            <a:pPr marL="285750" indent="-285750">
-              <a:buFont typeface="Arial" panose="020B0604020202020204" pitchFamily="34" charset="0"/>
-              <a:buChar char="•"/>
-            </a:pPr>
-            <a:r>
-              <a:rPr lang="en-AU" b="1" i="1" dirty="0"/>
-              <a:t>Dialects</a:t>
-            </a:r>
-            <a:r>
-              <a:rPr lang="en-AU" dirty="0"/>
-              <a:t> for Chinese, Dutch, </a:t>
-            </a:r>
-            <a:r>
-              <a:rPr lang="en-AU" b="1" dirty="0"/>
-              <a:t>English</a:t>
-            </a:r>
-            <a:r>
-              <a:rPr lang="en-AU" dirty="0"/>
-              <a:t>, French, German, Italian and Spanish</a:t>
-            </a:r>
-          </a:p>
-        </p:txBody>
-      </p:sp>
-    </p:spTree>
-    <p:extLst>
-      <p:ext uri="{BB962C8B-B14F-4D97-AF65-F5344CB8AC3E}">
-        <p14:creationId xmlns:p14="http://schemas.microsoft.com/office/powerpoint/2010/main" val="2754713465"/>
-      </p:ext>
-    </p:extLst>
-  </p:cSld>
-  <p:clrMapOvr>
-    <a:masterClrMapping/>
-  </p:clrMapOvr>
-</p:sld>
-</file>
-
-<file path=ppt/slides/slide6.xml><?xml version="1.0" encoding="utf-8"?>
 <p:sld xmlns:a="http://schemas.openxmlformats.org/drawingml/2006/main" xmlns:r="http://schemas.openxmlformats.org/officeDocument/2006/relationships" xmlns:p="http://schemas.openxmlformats.org/presentationml/2006/main">
   <p:cSld>
     <p:bg>
@@ -8375,10 +8162,120 @@
       </p:sp>
       <p:pic>
         <p:nvPicPr>
-          <p:cNvPr id="5122" name="Picture 2" descr="Bot Overview">
-            <a:extLst>
-              <a:ext uri="{FF2B5EF4-FFF2-40B4-BE49-F238E27FC236}">
-                <a16:creationId xmlns:a16="http://schemas.microsoft.com/office/drawing/2014/main" id="{31B07A72-AF89-4599-A771-B59977497059}"/>
+          <p:cNvPr id="3" name="Picture 2">
+            <a:extLst>
+              <a:ext uri="{FF2B5EF4-FFF2-40B4-BE49-F238E27FC236}">
+                <a16:creationId xmlns:a16="http://schemas.microsoft.com/office/drawing/2014/main" id="{26F683C2-AEB5-4C36-A535-1E06FDFE618C}"/>
+              </a:ext>
+            </a:extLst>
+          </p:cNvPr>
+          <p:cNvPicPr>
+            <a:picLocks noChangeAspect="1"/>
+          </p:cNvPicPr>
+          <p:nvPr/>
+        </p:nvPicPr>
+        <p:blipFill>
+          <a:blip r:embed="rId3"/>
+          <a:stretch>
+            <a:fillRect/>
+          </a:stretch>
+        </p:blipFill>
+        <p:spPr>
+          <a:xfrm>
+            <a:off x="1538287" y="2433637"/>
+            <a:ext cx="9115425" cy="1990725"/>
+          </a:xfrm>
+          <a:prstGeom prst="rect">
+            <a:avLst/>
+          </a:prstGeom>
+        </p:spPr>
+      </p:pic>
+    </p:spTree>
+    <p:extLst>
+      <p:ext uri="{BB962C8B-B14F-4D97-AF65-F5344CB8AC3E}">
+        <p14:creationId xmlns:p14="http://schemas.microsoft.com/office/powerpoint/2010/main" val="2478033220"/>
+      </p:ext>
+    </p:extLst>
+  </p:cSld>
+  <p:clrMapOvr>
+    <a:masterClrMapping/>
+  </p:clrMapOvr>
+</p:sld>
+</file>
+
+<file path=ppt/slides/slide6.xml><?xml version="1.0" encoding="utf-8"?>
+<p:sld xmlns:a="http://schemas.openxmlformats.org/drawingml/2006/main" xmlns:r="http://schemas.openxmlformats.org/officeDocument/2006/relationships" xmlns:p="http://schemas.openxmlformats.org/presentationml/2006/main">
+  <p:cSld>
+    <p:spTree>
+      <p:nvGrpSpPr>
+        <p:cNvPr id="1" name=""/>
+        <p:cNvGrpSpPr/>
+        <p:nvPr/>
+      </p:nvGrpSpPr>
+      <p:grpSpPr>
+        <a:xfrm>
+          <a:off x="0" y="0"/>
+          <a:ext cx="0" cy="0"/>
+          <a:chOff x="0" y="0"/>
+          <a:chExt cx="0" cy="0"/>
+        </a:xfrm>
+      </p:grpSpPr>
+      <p:sp>
+        <p:nvSpPr>
+          <p:cNvPr id="2" name="Title 1">
+            <a:extLst>
+              <a:ext uri="{FF2B5EF4-FFF2-40B4-BE49-F238E27FC236}">
+                <a16:creationId xmlns:a16="http://schemas.microsoft.com/office/drawing/2014/main" id="{B2DC3607-4299-4FD5-B140-CA19D99DF022}"/>
+              </a:ext>
+            </a:extLst>
+          </p:cNvPr>
+          <p:cNvSpPr>
+            <a:spLocks noGrp="1"/>
+          </p:cNvSpPr>
+          <p:nvPr>
+            <p:ph type="title"/>
+          </p:nvPr>
+        </p:nvSpPr>
+        <p:spPr/>
+        <p:txBody>
+          <a:bodyPr/>
+          <a:lstStyle/>
+          <a:p>
+            <a:endParaRPr lang="en-AU"/>
+          </a:p>
+        </p:txBody>
+      </p:sp>
+      <p:sp>
+        <p:nvSpPr>
+          <p:cNvPr id="3" name="Content Placeholder 2">
+            <a:extLst>
+              <a:ext uri="{FF2B5EF4-FFF2-40B4-BE49-F238E27FC236}">
+                <a16:creationId xmlns:a16="http://schemas.microsoft.com/office/drawing/2014/main" id="{E9BE0BD7-076A-4578-B70C-6AF211241A36}"/>
+              </a:ext>
+            </a:extLst>
+          </p:cNvPr>
+          <p:cNvSpPr>
+            <a:spLocks noGrp="1"/>
+          </p:cNvSpPr>
+          <p:nvPr>
+            <p:ph idx="1"/>
+          </p:nvPr>
+        </p:nvSpPr>
+        <p:spPr/>
+        <p:txBody>
+          <a:bodyPr/>
+          <a:lstStyle/>
+          <a:p>
+            <a:endParaRPr lang="en-AU"/>
+          </a:p>
+        </p:txBody>
+      </p:sp>
+      <p:pic>
+        <p:nvPicPr>
+          <p:cNvPr id="2050" name="Picture 2" descr="Image result for amazon alexa chatbot architecture">
+            <a:extLst>
+              <a:ext uri="{FF2B5EF4-FFF2-40B4-BE49-F238E27FC236}">
+                <a16:creationId xmlns:a16="http://schemas.microsoft.com/office/drawing/2014/main" id="{74EC1CD8-C442-40C6-B5D5-0085F543EB46}"/>
               </a:ext>
             </a:extLst>
           </p:cNvPr>
@@ -8402,8 +8299,8 @@
         </p:blipFill>
         <p:spPr bwMode="auto">
           <a:xfrm>
-            <a:off x="643467" y="2877239"/>
-            <a:ext cx="10905066" cy="1990174"/>
+            <a:off x="329681" y="182562"/>
+            <a:ext cx="11532638" cy="6492875"/>
           </a:xfrm>
           <a:prstGeom prst="rect">
             <a:avLst/>
@@ -8423,7 +8320,7 @@
     </p:spTree>
     <p:extLst>
       <p:ext uri="{BB962C8B-B14F-4D97-AF65-F5344CB8AC3E}">
-        <p14:creationId xmlns:p14="http://schemas.microsoft.com/office/powerpoint/2010/main" val="2478033220"/>
+        <p14:creationId xmlns:p14="http://schemas.microsoft.com/office/powerpoint/2010/main" val="1675455728"/>
       </p:ext>
     </p:extLst>
   </p:cSld>
@@ -8460,179 +8357,6 @@
       </p:grpSpPr>
       <p:sp>
         <p:nvSpPr>
-          <p:cNvPr id="10" name="Rectangle 9">
-            <a:extLst>
-              <a:ext uri="{FF2B5EF4-FFF2-40B4-BE49-F238E27FC236}">
-                <a16:creationId xmlns:a16="http://schemas.microsoft.com/office/drawing/2014/main" id="{A4AC5506-6312-4701-8D3C-40187889A947}"/>
-              </a:ext>
-              <a:ext uri="{C183D7F6-B498-43B3-948B-1728B52AA6E4}">
-                <adec:decorative xmlns:adec="http://schemas.microsoft.com/office/drawing/2017/decorative" val="1"/>
-              </a:ext>
-            </a:extLst>
-          </p:cNvPr>
-          <p:cNvSpPr>
-            <a:spLocks noGrp="1" noRot="1" noChangeAspect="1" noMove="1" noResize="1" noEditPoints="1" noAdjustHandles="1" noChangeArrowheads="1" noChangeShapeType="1" noTextEdit="1"/>
-          </p:cNvSpPr>
-          <p:nvPr>
-            <p:extLst>
-              <p:ext uri="{386F3935-93C4-4BCD-93E2-E3B085C9AB24}">
-                <p16:designElem xmlns:p16="http://schemas.microsoft.com/office/powerpoint/2015/main" val="1"/>
-              </p:ext>
-            </p:extLst>
-          </p:nvPr>
-        </p:nvSpPr>
-        <p:spPr>
-          <a:xfrm>
-            <a:off x="0" y="651752"/>
-            <a:ext cx="12192000" cy="736551"/>
-          </a:xfrm>
-          <a:prstGeom prst="rect">
-            <a:avLst/>
-          </a:prstGeom>
-          <a:solidFill>
-            <a:schemeClr val="tx1"/>
-          </a:solidFill>
-          <a:ln>
-            <a:noFill/>
-          </a:ln>
-        </p:spPr>
-        <p:style>
-          <a:lnRef idx="2">
-            <a:schemeClr val="accent1">
-              <a:shade val="50000"/>
-            </a:schemeClr>
-          </a:lnRef>
-          <a:fillRef idx="1">
-            <a:schemeClr val="accent1"/>
-          </a:fillRef>
-          <a:effectRef idx="0">
-            <a:schemeClr val="accent1"/>
-          </a:effectRef>
-          <a:fontRef idx="minor">
-            <a:schemeClr val="lt1"/>
-          </a:fontRef>
-        </p:style>
-        <p:txBody>
-          <a:bodyPr rtlCol="0" anchor="ctr"/>
-          <a:lstStyle/>
-          <a:p>
-            <a:pPr algn="ctr"/>
-            <a:endParaRPr lang="en-US"/>
-          </a:p>
-        </p:txBody>
-      </p:sp>
-      <p:sp>
-        <p:nvSpPr>
-          <p:cNvPr id="5" name="Title 1">
-            <a:extLst>
-              <a:ext uri="{FF2B5EF4-FFF2-40B4-BE49-F238E27FC236}">
-                <a16:creationId xmlns:a16="http://schemas.microsoft.com/office/drawing/2014/main" id="{FF750AF6-5973-4ABD-9455-4548E918C8CC}"/>
-              </a:ext>
-            </a:extLst>
-          </p:cNvPr>
-          <p:cNvSpPr>
-            <a:spLocks noGrp="1"/>
-          </p:cNvSpPr>
-          <p:nvPr>
-            <p:ph type="title"/>
-          </p:nvPr>
-        </p:nvSpPr>
-        <p:spPr>
-          <a:xfrm>
-            <a:off x="556532" y="643467"/>
-            <a:ext cx="11210925" cy="744836"/>
-          </a:xfrm>
-        </p:spPr>
-        <p:txBody>
-          <a:bodyPr vert="horz" lIns="91440" tIns="45720" rIns="91440" bIns="45720" rtlCol="0" anchor="ctr">
-            <a:normAutofit/>
-          </a:bodyPr>
-          <a:lstStyle/>
-          <a:p>
-            <a:pPr algn="ctr"/>
-            <a:r>
-              <a:rPr lang="en-US" sz="3200" kern="1200">
-                <a:solidFill>
-                  <a:schemeClr val="bg1"/>
-                </a:solidFill>
-                <a:latin typeface="+mj-lt"/>
-                <a:ea typeface="+mj-ea"/>
-                <a:cs typeface="+mj-cs"/>
-              </a:rPr>
-              <a:t>Alexa console</a:t>
-            </a:r>
-          </a:p>
-        </p:txBody>
-      </p:sp>
-      <p:pic>
-        <p:nvPicPr>
-          <p:cNvPr id="3" name="Picture 2">
-            <a:extLst>
-              <a:ext uri="{FF2B5EF4-FFF2-40B4-BE49-F238E27FC236}">
-                <a16:creationId xmlns:a16="http://schemas.microsoft.com/office/drawing/2014/main" id="{EFD4690C-5610-4AEA-982C-2816C03B41EA}"/>
-              </a:ext>
-            </a:extLst>
-          </p:cNvPr>
-          <p:cNvPicPr>
-            <a:picLocks noChangeAspect="1"/>
-          </p:cNvPicPr>
-          <p:nvPr/>
-        </p:nvPicPr>
-        <p:blipFill rotWithShape="1">
-          <a:blip r:embed="rId3"/>
-          <a:srcRect t="3861" r="1" b="4775"/>
-          <a:stretch/>
-        </p:blipFill>
-        <p:spPr>
-          <a:xfrm>
-            <a:off x="781635" y="1675227"/>
-            <a:ext cx="10628729" cy="4394199"/>
-          </a:xfrm>
-          <a:prstGeom prst="rect">
-            <a:avLst/>
-          </a:prstGeom>
-        </p:spPr>
-      </p:pic>
-    </p:spTree>
-    <p:extLst>
-      <p:ext uri="{BB962C8B-B14F-4D97-AF65-F5344CB8AC3E}">
-        <p14:creationId xmlns:p14="http://schemas.microsoft.com/office/powerpoint/2010/main" val="3561262091"/>
-      </p:ext>
-    </p:extLst>
-  </p:cSld>
-  <p:clrMapOvr>
-    <a:masterClrMapping/>
-  </p:clrMapOvr>
-</p:sld>
-</file>
-
-<file path=ppt/slides/slide8.xml><?xml version="1.0" encoding="utf-8"?>
-<p:sld xmlns:a="http://schemas.openxmlformats.org/drawingml/2006/main" xmlns:r="http://schemas.openxmlformats.org/officeDocument/2006/relationships" xmlns:p="http://schemas.openxmlformats.org/presentationml/2006/main">
-  <p:cSld>
-    <p:bg>
-      <p:bgPr>
-        <a:solidFill>
-          <a:schemeClr val="bg1"/>
-        </a:solidFill>
-        <a:effectLst/>
-      </p:bgPr>
-    </p:bg>
-    <p:spTree>
-      <p:nvGrpSpPr>
-        <p:cNvPr id="1" name=""/>
-        <p:cNvGrpSpPr/>
-        <p:nvPr/>
-      </p:nvGrpSpPr>
-      <p:grpSpPr>
-        <a:xfrm>
-          <a:off x="0" y="0"/>
-          <a:ext cx="0" cy="0"/>
-          <a:chOff x="0" y="0"/>
-          <a:chExt cx="0" cy="0"/>
-        </a:xfrm>
-      </p:grpSpPr>
-      <p:sp>
-        <p:nvSpPr>
           <p:cNvPr id="7" name="Rectangle 9">
             <a:extLst>
               <a:ext uri="{FF2B5EF4-FFF2-40B4-BE49-F238E27FC236}">
@@ -8791,7 +8515,7 @@
 </p:sld>
 </file>
 
-<file path=ppt/slides/slide9.xml><?xml version="1.0" encoding="utf-8"?>
+<file path=ppt/slides/slide8.xml><?xml version="1.0" encoding="utf-8"?>
 <p:sld xmlns:a="http://schemas.openxmlformats.org/drawingml/2006/main" xmlns:r="http://schemas.openxmlformats.org/officeDocument/2006/relationships" xmlns:p="http://schemas.openxmlformats.org/presentationml/2006/main">
   <p:cSld>
     <p:spTree>
@@ -8880,8 +8604,8 @@
         </p:nvSpPr>
         <p:spPr>
           <a:xfrm>
-            <a:off x="837722" y="5848905"/>
-            <a:ext cx="6020757" cy="369332"/>
+            <a:off x="746931" y="4698999"/>
+            <a:ext cx="6885769" cy="523220"/>
           </a:xfrm>
           <a:prstGeom prst="rect">
             <a:avLst/>
@@ -8894,7 +8618,7 @@
           <a:lstStyle/>
           <a:p>
             <a:r>
-              <a:rPr lang="en-AU" b="1" dirty="0"/>
+              <a:rPr lang="en-AU" sz="2800" b="1" dirty="0"/>
               <a:t>https://rafflleb2b-app.azurewebsites.net/</a:t>
             </a:r>
           </a:p>
@@ -8959,6 +8683,119 @@
     <p:extLst>
       <p:ext uri="{BB962C8B-B14F-4D97-AF65-F5344CB8AC3E}">
         <p14:creationId xmlns:p14="http://schemas.microsoft.com/office/powerpoint/2010/main" val="4001524372"/>
+      </p:ext>
+    </p:extLst>
+  </p:cSld>
+  <p:clrMapOvr>
+    <a:masterClrMapping/>
+  </p:clrMapOvr>
+</p:sld>
+</file>
+
+<file path=ppt/slides/slide9.xml><?xml version="1.0" encoding="utf-8"?>
+<p:sld xmlns:a="http://schemas.openxmlformats.org/drawingml/2006/main" xmlns:r="http://schemas.openxmlformats.org/officeDocument/2006/relationships" xmlns:p="http://schemas.openxmlformats.org/presentationml/2006/main">
+  <p:cSld>
+    <p:spTree>
+      <p:nvGrpSpPr>
+        <p:cNvPr id="1" name=""/>
+        <p:cNvGrpSpPr/>
+        <p:nvPr/>
+      </p:nvGrpSpPr>
+      <p:grpSpPr>
+        <a:xfrm>
+          <a:off x="0" y="0"/>
+          <a:ext cx="0" cy="0"/>
+          <a:chOff x="0" y="0"/>
+          <a:chExt cx="0" cy="0"/>
+        </a:xfrm>
+      </p:grpSpPr>
+      <p:pic>
+        <p:nvPicPr>
+          <p:cNvPr id="1026" name="Picture 2" descr="Image result for thanks">
+            <a:extLst>
+              <a:ext uri="{FF2B5EF4-FFF2-40B4-BE49-F238E27FC236}">
+                <a16:creationId xmlns:a16="http://schemas.microsoft.com/office/drawing/2014/main" id="{D07162C4-A9F3-47E5-99CF-B368EA93BC58}"/>
+              </a:ext>
+            </a:extLst>
+          </p:cNvPr>
+          <p:cNvPicPr>
+            <a:picLocks noChangeAspect="1" noChangeArrowheads="1"/>
+          </p:cNvPicPr>
+          <p:nvPr/>
+        </p:nvPicPr>
+        <p:blipFill>
+          <a:blip r:embed="rId3">
+            <a:extLst>
+              <a:ext uri="{28A0092B-C50C-407E-A947-70E740481C1C}">
+                <a14:useLocalDpi xmlns:a14="http://schemas.microsoft.com/office/drawing/2010/main" val="0"/>
+              </a:ext>
+            </a:extLst>
+          </a:blip>
+          <a:srcRect/>
+          <a:stretch>
+            <a:fillRect/>
+          </a:stretch>
+        </p:blipFill>
+        <p:spPr bwMode="auto">
+          <a:xfrm>
+            <a:off x="781050" y="0"/>
+            <a:ext cx="10629900" cy="6654317"/>
+          </a:xfrm>
+          <a:prstGeom prst="rect">
+            <a:avLst/>
+          </a:prstGeom>
+          <a:noFill/>
+          <a:extLst>
+            <a:ext uri="{909E8E84-426E-40DD-AFC4-6F175D3DCCD1}">
+              <a14:hiddenFill xmlns:a14="http://schemas.microsoft.com/office/drawing/2010/main">
+                <a:solidFill>
+                  <a:srgbClr val="FFFFFF"/>
+                </a:solidFill>
+              </a14:hiddenFill>
+            </a:ext>
+          </a:extLst>
+        </p:spPr>
+      </p:pic>
+      <p:sp>
+        <p:nvSpPr>
+          <p:cNvPr id="3" name="Content Placeholder 2">
+            <a:extLst>
+              <a:ext uri="{FF2B5EF4-FFF2-40B4-BE49-F238E27FC236}">
+                <a16:creationId xmlns:a16="http://schemas.microsoft.com/office/drawing/2014/main" id="{76006F3E-EF61-4C42-A0D1-D46B3A3541C8}"/>
+              </a:ext>
+            </a:extLst>
+          </p:cNvPr>
+          <p:cNvSpPr>
+            <a:spLocks noGrp="1"/>
+          </p:cNvSpPr>
+          <p:nvPr>
+            <p:ph idx="1"/>
+          </p:nvPr>
+        </p:nvSpPr>
+        <p:spPr>
+          <a:xfrm>
+            <a:off x="781050" y="5722937"/>
+            <a:ext cx="10515600" cy="1135063"/>
+          </a:xfrm>
+        </p:spPr>
+        <p:txBody>
+          <a:bodyPr anchor="ctr"/>
+          <a:lstStyle/>
+          <a:p>
+            <a:pPr marL="0" indent="0" algn="ctr">
+              <a:buNone/>
+            </a:pPr>
+            <a:r>
+              <a:rPr lang="en-AU" dirty="0"/>
+              <a:t>https://github.com/giovanidecusati/readify-b2b-alexa</a:t>
+            </a:r>
+          </a:p>
+        </p:txBody>
+      </p:sp>
+    </p:spTree>
+    <p:extLst>
+      <p:ext uri="{BB962C8B-B14F-4D97-AF65-F5344CB8AC3E}">
+        <p14:creationId xmlns:p14="http://schemas.microsoft.com/office/powerpoint/2010/main" val="42487546"/>
       </p:ext>
     </p:extLst>
   </p:cSld>
